--- a/Presentations/OCP Redux.pptx
+++ b/Presentations/OCP Redux.pptx
@@ -207,7 +207,7 @@
           <a:p>
             <a:fld id="{D7D9A16F-D302-4F6C-88DE-469A6962F06E}" type="datetimeFigureOut">
               <a:rPr lang="en-US" smtClean="0"/>
-              <a:t>12/15/2014</a:t>
+              <a:t>12/31/2014</a:t>
             </a:fld>
             <a:endParaRPr lang="en-US"/>
           </a:p>
@@ -624,6 +624,187 @@
           <a:p>
             <a:fld id="{5E646BB7-50E9-43CE-B8D8-A01580F287EB}" type="slidenum">
               <a:rPr lang="en-US" smtClean="0"/>
+              <a:t>5</a:t>
+            </a:fld>
+            <a:endParaRPr lang="en-US"/>
+          </a:p>
+        </p:txBody>
+      </p:sp>
+    </p:spTree>
+    <p:extLst>
+      <p:ext uri="{BB962C8B-B14F-4D97-AF65-F5344CB8AC3E}">
+        <p14:creationId xmlns:p14="http://schemas.microsoft.com/office/powerpoint/2010/main" val="381610740"/>
+      </p:ext>
+    </p:extLst>
+  </p:cSld>
+  <p:clrMapOvr>
+    <a:masterClrMapping/>
+  </p:clrMapOvr>
+</p:notes>
+</file>
+
+<file path=ppt/notesSlides/notesSlide3.xml><?xml version="1.0" encoding="utf-8"?>
+<p:notes xmlns:a="http://schemas.openxmlformats.org/drawingml/2006/main" xmlns:r="http://schemas.openxmlformats.org/officeDocument/2006/relationships" xmlns:p="http://schemas.openxmlformats.org/presentationml/2006/main">
+  <p:cSld>
+    <p:spTree>
+      <p:nvGrpSpPr>
+        <p:cNvPr id="1" name=""/>
+        <p:cNvGrpSpPr/>
+        <p:nvPr/>
+      </p:nvGrpSpPr>
+      <p:grpSpPr>
+        <a:xfrm>
+          <a:off x="0" y="0"/>
+          <a:ext cx="0" cy="0"/>
+          <a:chOff x="0" y="0"/>
+          <a:chExt cx="0" cy="0"/>
+        </a:xfrm>
+      </p:grpSpPr>
+      <p:sp>
+        <p:nvSpPr>
+          <p:cNvPr id="2" name="Slide Image Placeholder 1"/>
+          <p:cNvSpPr>
+            <a:spLocks noGrp="1" noRot="1" noChangeAspect="1"/>
+          </p:cNvSpPr>
+          <p:nvPr>
+            <p:ph type="sldImg"/>
+          </p:nvPr>
+        </p:nvSpPr>
+        <p:spPr/>
+      </p:sp>
+      <p:sp>
+        <p:nvSpPr>
+          <p:cNvPr id="3" name="Notes Placeholder 2"/>
+          <p:cNvSpPr>
+            <a:spLocks noGrp="1"/>
+          </p:cNvSpPr>
+          <p:nvPr>
+            <p:ph type="body" idx="1"/>
+          </p:nvPr>
+        </p:nvSpPr>
+        <p:spPr/>
+        <p:txBody>
+          <a:bodyPr/>
+          <a:lstStyle/>
+          <a:p>
+            <a:r>
+              <a:rPr lang="en-US" dirty="0" smtClean="0"/>
+              <a:t>SHOW THE APPLICATION!</a:t>
+            </a:r>
+          </a:p>
+          <a:p>
+            <a:r>
+              <a:rPr lang="en-US" dirty="0" smtClean="0"/>
+              <a:t>Call</a:t>
+            </a:r>
+            <a:r>
+              <a:rPr lang="en-US" baseline="0" dirty="0" smtClean="0"/>
+              <a:t> out that they should be able to build and run</a:t>
+            </a:r>
+          </a:p>
+        </p:txBody>
+      </p:sp>
+      <p:sp>
+        <p:nvSpPr>
+          <p:cNvPr id="4" name="Slide Number Placeholder 3"/>
+          <p:cNvSpPr>
+            <a:spLocks noGrp="1"/>
+          </p:cNvSpPr>
+          <p:nvPr>
+            <p:ph type="sldNum" sz="quarter" idx="10"/>
+          </p:nvPr>
+        </p:nvSpPr>
+        <p:spPr/>
+        <p:txBody>
+          <a:bodyPr/>
+          <a:lstStyle/>
+          <a:p>
+            <a:fld id="{5E646BB7-50E9-43CE-B8D8-A01580F287EB}" type="slidenum">
+              <a:rPr lang="en-US" smtClean="0"/>
+              <a:t>7</a:t>
+            </a:fld>
+            <a:endParaRPr lang="en-US"/>
+          </a:p>
+        </p:txBody>
+      </p:sp>
+    </p:spTree>
+    <p:extLst>
+      <p:ext uri="{BB962C8B-B14F-4D97-AF65-F5344CB8AC3E}">
+        <p14:creationId xmlns:p14="http://schemas.microsoft.com/office/powerpoint/2010/main" val="2420853714"/>
+      </p:ext>
+    </p:extLst>
+  </p:cSld>
+  <p:clrMapOvr>
+    <a:masterClrMapping/>
+  </p:clrMapOvr>
+</p:notes>
+</file>
+
+<file path=ppt/notesSlides/notesSlide4.xml><?xml version="1.0" encoding="utf-8"?>
+<p:notes xmlns:a="http://schemas.openxmlformats.org/drawingml/2006/main" xmlns:r="http://schemas.openxmlformats.org/officeDocument/2006/relationships" xmlns:p="http://schemas.openxmlformats.org/presentationml/2006/main">
+  <p:cSld>
+    <p:spTree>
+      <p:nvGrpSpPr>
+        <p:cNvPr id="1" name=""/>
+        <p:cNvGrpSpPr/>
+        <p:nvPr/>
+      </p:nvGrpSpPr>
+      <p:grpSpPr>
+        <a:xfrm>
+          <a:off x="0" y="0"/>
+          <a:ext cx="0" cy="0"/>
+          <a:chOff x="0" y="0"/>
+          <a:chExt cx="0" cy="0"/>
+        </a:xfrm>
+      </p:grpSpPr>
+      <p:sp>
+        <p:nvSpPr>
+          <p:cNvPr id="2" name="Slide Image Placeholder 1"/>
+          <p:cNvSpPr>
+            <a:spLocks noGrp="1" noRot="1" noChangeAspect="1"/>
+          </p:cNvSpPr>
+          <p:nvPr>
+            <p:ph type="sldImg"/>
+          </p:nvPr>
+        </p:nvSpPr>
+        <p:spPr/>
+      </p:sp>
+      <p:sp>
+        <p:nvSpPr>
+          <p:cNvPr id="3" name="Notes Placeholder 2"/>
+          <p:cNvSpPr>
+            <a:spLocks noGrp="1"/>
+          </p:cNvSpPr>
+          <p:nvPr>
+            <p:ph type="body" idx="1"/>
+          </p:nvPr>
+        </p:nvSpPr>
+        <p:spPr/>
+        <p:txBody>
+          <a:bodyPr/>
+          <a:lstStyle/>
+          <a:p>
+            <a:endParaRPr lang="en-US" dirty="0"/>
+          </a:p>
+        </p:txBody>
+      </p:sp>
+      <p:sp>
+        <p:nvSpPr>
+          <p:cNvPr id="4" name="Slide Number Placeholder 3"/>
+          <p:cNvSpPr>
+            <a:spLocks noGrp="1"/>
+          </p:cNvSpPr>
+          <p:nvPr>
+            <p:ph type="sldNum" sz="quarter" idx="10"/>
+          </p:nvPr>
+        </p:nvSpPr>
+        <p:spPr/>
+        <p:txBody>
+          <a:bodyPr/>
+          <a:lstStyle/>
+          <a:p>
+            <a:fld id="{5E646BB7-50E9-43CE-B8D8-A01580F287EB}" type="slidenum">
+              <a:rPr lang="en-US" smtClean="0"/>
               <a:t>9</a:t>
             </a:fld>
             <a:endParaRPr lang="en-US"/>
@@ -643,7 +824,7 @@
 </p:notes>
 </file>
 
-<file path=ppt/notesSlides/notesSlide3.xml><?xml version="1.0" encoding="utf-8"?>
+<file path=ppt/notesSlides/notesSlide5.xml><?xml version="1.0" encoding="utf-8"?>
 <p:notes xmlns:a="http://schemas.openxmlformats.org/drawingml/2006/main" xmlns:r="http://schemas.openxmlformats.org/officeDocument/2006/relationships" xmlns:p="http://schemas.openxmlformats.org/presentationml/2006/main">
   <p:cSld>
     <p:spTree>
@@ -858,7 +1039,7 @@
           <a:p>
             <a:fld id="{ABF9AFE4-9910-4F36-8626-ABF2E797B655}" type="datetimeFigureOut">
               <a:rPr lang="en-US" smtClean="0"/>
-              <a:t>12/15/2014</a:t>
+              <a:t>12/31/2014</a:t>
             </a:fld>
             <a:endParaRPr lang="en-US"/>
           </a:p>
@@ -1028,7 +1209,7 @@
           <a:p>
             <a:fld id="{ABF9AFE4-9910-4F36-8626-ABF2E797B655}" type="datetimeFigureOut">
               <a:rPr lang="en-US" smtClean="0"/>
-              <a:t>12/15/2014</a:t>
+              <a:t>12/31/2014</a:t>
             </a:fld>
             <a:endParaRPr lang="en-US"/>
           </a:p>
@@ -1208,7 +1389,7 @@
           <a:p>
             <a:fld id="{ABF9AFE4-9910-4F36-8626-ABF2E797B655}" type="datetimeFigureOut">
               <a:rPr lang="en-US" smtClean="0"/>
-              <a:t>12/15/2014</a:t>
+              <a:t>12/31/2014</a:t>
             </a:fld>
             <a:endParaRPr lang="en-US"/>
           </a:p>
@@ -1378,7 +1559,7 @@
           <a:p>
             <a:fld id="{ABF9AFE4-9910-4F36-8626-ABF2E797B655}" type="datetimeFigureOut">
               <a:rPr lang="en-US" smtClean="0"/>
-              <a:t>12/15/2014</a:t>
+              <a:t>12/31/2014</a:t>
             </a:fld>
             <a:endParaRPr lang="en-US"/>
           </a:p>
@@ -1624,7 +1805,7 @@
           <a:p>
             <a:fld id="{ABF9AFE4-9910-4F36-8626-ABF2E797B655}" type="datetimeFigureOut">
               <a:rPr lang="en-US" smtClean="0"/>
-              <a:t>12/15/2014</a:t>
+              <a:t>12/31/2014</a:t>
             </a:fld>
             <a:endParaRPr lang="en-US"/>
           </a:p>
@@ -1856,7 +2037,7 @@
           <a:p>
             <a:fld id="{ABF9AFE4-9910-4F36-8626-ABF2E797B655}" type="datetimeFigureOut">
               <a:rPr lang="en-US" smtClean="0"/>
-              <a:t>12/15/2014</a:t>
+              <a:t>12/31/2014</a:t>
             </a:fld>
             <a:endParaRPr lang="en-US"/>
           </a:p>
@@ -2223,7 +2404,7 @@
           <a:p>
             <a:fld id="{ABF9AFE4-9910-4F36-8626-ABF2E797B655}" type="datetimeFigureOut">
               <a:rPr lang="en-US" smtClean="0"/>
-              <a:t>12/15/2014</a:t>
+              <a:t>12/31/2014</a:t>
             </a:fld>
             <a:endParaRPr lang="en-US"/>
           </a:p>
@@ -2341,7 +2522,7 @@
           <a:p>
             <a:fld id="{ABF9AFE4-9910-4F36-8626-ABF2E797B655}" type="datetimeFigureOut">
               <a:rPr lang="en-US" smtClean="0"/>
-              <a:t>12/15/2014</a:t>
+              <a:t>12/31/2014</a:t>
             </a:fld>
             <a:endParaRPr lang="en-US"/>
           </a:p>
@@ -2436,7 +2617,7 @@
           <a:p>
             <a:fld id="{ABF9AFE4-9910-4F36-8626-ABF2E797B655}" type="datetimeFigureOut">
               <a:rPr lang="en-US" smtClean="0"/>
-              <a:t>12/15/2014</a:t>
+              <a:t>12/31/2014</a:t>
             </a:fld>
             <a:endParaRPr lang="en-US"/>
           </a:p>
@@ -2713,7 +2894,7 @@
           <a:p>
             <a:fld id="{ABF9AFE4-9910-4F36-8626-ABF2E797B655}" type="datetimeFigureOut">
               <a:rPr lang="en-US" smtClean="0"/>
-              <a:t>12/15/2014</a:t>
+              <a:t>12/31/2014</a:t>
             </a:fld>
             <a:endParaRPr lang="en-US"/>
           </a:p>
@@ -2966,7 +3147,7 @@
           <a:p>
             <a:fld id="{ABF9AFE4-9910-4F36-8626-ABF2E797B655}" type="datetimeFigureOut">
               <a:rPr lang="en-US" smtClean="0"/>
-              <a:t>12/15/2014</a:t>
+              <a:t>12/31/2014</a:t>
             </a:fld>
             <a:endParaRPr lang="en-US"/>
           </a:p>
@@ -3179,7 +3360,7 @@
           <a:p>
             <a:fld id="{ABF9AFE4-9910-4F36-8626-ABF2E797B655}" type="datetimeFigureOut">
               <a:rPr lang="en-US" smtClean="0"/>
-              <a:t>12/15/2014</a:t>
+              <a:t>12/31/2014</a:t>
             </a:fld>
             <a:endParaRPr lang="en-US"/>
           </a:p>
@@ -3795,11 +3976,22 @@
           </a:bodyPr>
           <a:lstStyle/>
           <a:p>
+            <a:pPr marL="0" indent="0">
+              <a:buNone/>
+              <a:defRPr/>
+            </a:pPr>
+            <a:r>
+              <a:rPr lang="fr-CA" b="1" dirty="0" err="1" smtClean="0"/>
+              <a:t>Functionality</a:t>
+            </a:r>
+            <a:endParaRPr lang="fr-CA" b="1" dirty="0" smtClean="0"/>
+          </a:p>
+          <a:p>
             <a:pPr>
               <a:defRPr/>
             </a:pPr>
             <a:r>
-              <a:rPr lang="fr-CA" dirty="0"/>
+              <a:rPr lang="fr-CA" dirty="0" smtClean="0"/>
               <a:t>Obstacles </a:t>
             </a:r>
             <a:r>
@@ -3820,44 +4012,136 @@
             </a:r>
           </a:p>
           <a:p>
-            <a:pPr>
+            <a:pPr marL="0" indent="0">
+              <a:buNone/>
               <a:defRPr/>
             </a:pPr>
             <a:r>
-              <a:rPr lang="fr-CA" i="1" dirty="0" err="1"/>
-              <a:t>Consider</a:t>
-            </a:r>
-            <a:r>
-              <a:rPr lang="fr-CA" i="1" dirty="0"/>
-              <a:t> a new type of obstacle </a:t>
-            </a:r>
-            <a:endParaRPr lang="fr-CA" sz="2400" i="1" dirty="0"/>
-          </a:p>
-          <a:p>
-            <a:pPr>
+              <a:rPr lang="fr-CA" b="1" dirty="0" err="1" smtClean="0"/>
+              <a:t>Exercise</a:t>
+            </a:r>
+            <a:endParaRPr lang="fr-CA" b="1" dirty="0" smtClean="0"/>
+          </a:p>
+          <a:p>
+            <a:pPr marL="514350" indent="-514350">
+              <a:buAutoNum type="arabicPeriod"/>
               <a:defRPr/>
             </a:pPr>
             <a:r>
-              <a:rPr lang="fr-CA" sz="2400" i="1" dirty="0"/>
-              <a:t>Type ‘</a:t>
-            </a:r>
-            <a:r>
-              <a:rPr lang="fr-CA" sz="2400" i="1" dirty="0" err="1"/>
-              <a:t>runcukes</a:t>
-            </a:r>
-            <a:r>
-              <a:rPr lang="fr-CA" sz="2400" i="1" dirty="0"/>
-              <a:t>’ </a:t>
-            </a:r>
-            <a:r>
-              <a:rPr lang="fr-CA" sz="2400" i="1" dirty="0" err="1"/>
-              <a:t>from</a:t>
-            </a:r>
-            <a:r>
-              <a:rPr lang="fr-CA" sz="2400" i="1" dirty="0"/>
-              <a:t> directory</a:t>
-            </a:r>
-            <a:endParaRPr lang="fr-CA" i="1" dirty="0"/>
+              <a:rPr lang="fr-CA" dirty="0" err="1" smtClean="0"/>
+              <a:t>Allow</a:t>
+            </a:r>
+            <a:r>
+              <a:rPr lang="fr-CA" dirty="0" smtClean="0"/>
+              <a:t> </a:t>
+            </a:r>
+            <a:r>
+              <a:rPr lang="fr-CA" dirty="0" err="1" smtClean="0"/>
+              <a:t>easily</a:t>
+            </a:r>
+            <a:r>
+              <a:rPr lang="fr-CA" dirty="0" smtClean="0"/>
+              <a:t> </a:t>
+            </a:r>
+            <a:r>
+              <a:rPr lang="fr-CA" dirty="0" err="1" smtClean="0"/>
+              <a:t>adding</a:t>
+            </a:r>
+            <a:r>
+              <a:rPr lang="fr-CA" dirty="0" smtClean="0"/>
+              <a:t> new obstacle types </a:t>
+            </a:r>
+            <a:r>
+              <a:rPr lang="fr-CA" dirty="0" err="1" smtClean="0"/>
+              <a:t>with</a:t>
+            </a:r>
+            <a:r>
+              <a:rPr lang="fr-CA" dirty="0" smtClean="0"/>
+              <a:t> </a:t>
+            </a:r>
+            <a:r>
+              <a:rPr lang="fr-CA" dirty="0" err="1" smtClean="0"/>
+              <a:t>additional</a:t>
+            </a:r>
+            <a:r>
+              <a:rPr lang="fr-CA" dirty="0"/>
+              <a:t/>
+            </a:r>
+            <a:br>
+              <a:rPr lang="fr-CA" dirty="0"/>
+            </a:br>
+            <a:r>
+              <a:rPr lang="fr-CA" dirty="0" err="1" smtClean="0"/>
+              <a:t>characteristics</a:t>
+            </a:r>
+            <a:endParaRPr lang="fr-CA" dirty="0" smtClean="0"/>
+          </a:p>
+          <a:p>
+            <a:pPr marL="514350" indent="-514350">
+              <a:buFont typeface="+mj-lt"/>
+              <a:buAutoNum type="arabicPeriod"/>
+              <a:defRPr/>
+            </a:pPr>
+            <a:r>
+              <a:rPr lang="fr-CA" dirty="0" err="1" smtClean="0"/>
+              <a:t>Create</a:t>
+            </a:r>
+            <a:r>
+              <a:rPr lang="fr-CA" dirty="0" smtClean="0"/>
+              <a:t> a new obstacle type</a:t>
+            </a:r>
+          </a:p>
+          <a:p>
+            <a:pPr lvl="1">
+              <a:buFont typeface="Courier New" panose="02070309020205020404" pitchFamily="49" charset="0"/>
+              <a:buChar char="o"/>
+              <a:defRPr/>
+            </a:pPr>
+            <a:r>
+              <a:rPr lang="fr-CA" dirty="0" err="1" smtClean="0"/>
+              <a:t>Hint</a:t>
+            </a:r>
+            <a:r>
+              <a:rPr lang="fr-CA" dirty="0" smtClean="0"/>
+              <a:t> – Look </a:t>
+            </a:r>
+            <a:r>
+              <a:rPr lang="fr-CA" dirty="0" err="1" smtClean="0"/>
+              <a:t>at</a:t>
+            </a:r>
+            <a:r>
+              <a:rPr lang="fr-CA" dirty="0" smtClean="0"/>
+              <a:t> </a:t>
+            </a:r>
+            <a:r>
+              <a:rPr lang="fr-CA" dirty="0" err="1" smtClean="0"/>
+              <a:t>picture</a:t>
+            </a:r>
+            <a:r>
+              <a:rPr lang="fr-CA" dirty="0" smtClean="0"/>
+              <a:t> </a:t>
+            </a:r>
+            <a:r>
+              <a:rPr lang="fr-CA" dirty="0" smtClean="0">
+                <a:sym typeface="Wingdings" panose="05000000000000000000" pitchFamily="2" charset="2"/>
+              </a:rPr>
+              <a:t></a:t>
+            </a:r>
+            <a:endParaRPr lang="fr-CA" dirty="0" smtClean="0"/>
+          </a:p>
+          <a:p>
+            <a:pPr marL="971550" lvl="1" indent="-514350">
+              <a:buAutoNum type="arabicPeriod"/>
+              <a:defRPr/>
+            </a:pPr>
+            <a:endParaRPr lang="fr-CA" dirty="0"/>
+          </a:p>
+          <a:p>
+            <a:pPr marL="0" indent="0">
+              <a:buNone/>
+              <a:defRPr/>
+            </a:pPr>
+            <a:endParaRPr lang="fr-CA" b="1" dirty="0"/>
           </a:p>
           <a:p>
             <a:pPr>
@@ -3867,6 +4151,47 @@
           </a:p>
         </p:txBody>
       </p:sp>
+      <p:pic>
+        <p:nvPicPr>
+          <p:cNvPr id="4" name="Picture 2" descr="http://s11.postimg.org/qn4l5s6lv/Meteor_Crater_Preview01_jpgd174b5ab_f9d9_41c4_8914.jpg"/>
+          <p:cNvPicPr>
+            <a:picLocks noChangeAspect="1" noChangeArrowheads="1"/>
+          </p:cNvPicPr>
+          <p:nvPr/>
+        </p:nvPicPr>
+        <p:blipFill>
+          <a:blip r:embed="rId3">
+            <a:extLst>
+              <a:ext uri="{28A0092B-C50C-407E-A947-70E740481C1C}">
+                <a14:useLocalDpi xmlns:a14="http://schemas.microsoft.com/office/drawing/2010/main" val="0"/>
+              </a:ext>
+            </a:extLst>
+          </a:blip>
+          <a:srcRect/>
+          <a:stretch>
+            <a:fillRect/>
+          </a:stretch>
+        </p:blipFill>
+        <p:spPr bwMode="auto">
+          <a:xfrm>
+            <a:off x="7058891" y="3882736"/>
+            <a:ext cx="2727325" cy="2727325"/>
+          </a:xfrm>
+          <a:prstGeom prst="rect">
+            <a:avLst/>
+          </a:prstGeom>
+          <a:noFill/>
+          <a:extLst>
+            <a:ext uri="{909E8E84-426E-40DD-AFC4-6F175D3DCCD1}">
+              <a14:hiddenFill xmlns:a14="http://schemas.microsoft.com/office/drawing/2010/main">
+                <a:solidFill>
+                  <a:srgbClr val="FFFFFF"/>
+                </a:solidFill>
+              </a14:hiddenFill>
+            </a:ext>
+          </a:extLst>
+        </p:spPr>
+      </p:pic>
     </p:spTree>
     <p:extLst>
       <p:ext uri="{BB962C8B-B14F-4D97-AF65-F5344CB8AC3E}">
@@ -3953,7 +4278,7 @@
         </p:nvSpPr>
         <p:spPr>
           <a:xfrm>
-            <a:off x="3809999" y="1690688"/>
+            <a:off x="3674917" y="1690688"/>
             <a:ext cx="3831772" cy="1619704"/>
           </a:xfrm>
           <a:prstGeom prst="roundRect">
@@ -3977,10 +4302,14 @@
           </a:fontRef>
         </p:style>
         <p:txBody>
-          <a:bodyPr rtlCol="0" anchor="ctr"/>
-          <a:lstStyle/>
-          <a:p>
-            <a:pPr algn="ctr"/>
+          <a:bodyPr rtlCol="0" anchor="ctr">
+            <a:noAutofit/>
+          </a:bodyPr>
+          <a:lstStyle/>
+          <a:p>
+            <a:pPr marL="0" indent="0" algn="ctr">
+              <a:buNone/>
+            </a:pPr>
             <a:r>
               <a:rPr lang="en-US" dirty="0" smtClean="0"/>
               <a:t>Obstacle</a:t>
@@ -3988,24 +4317,30 @@
           </a:p>
           <a:p>
             <a:pPr marL="285750" indent="-285750">
+              <a:lnSpc>
+                <a:spcPct val="50000"/>
+              </a:lnSpc>
               <a:buFont typeface="Arial" panose="020B0604020202020204" pitchFamily="34" charset="0"/>
               <a:buChar char="•"/>
             </a:pPr>
             <a:r>
-              <a:rPr lang="en-US" sz="1200" dirty="0" smtClean="0"/>
+              <a:rPr lang="en-US" dirty="0" smtClean="0"/>
               <a:t>Location</a:t>
             </a:r>
           </a:p>
           <a:p>
             <a:pPr marL="285750" indent="-285750">
+              <a:lnSpc>
+                <a:spcPct val="50000"/>
+              </a:lnSpc>
               <a:buFont typeface="Arial" panose="020B0604020202020204" pitchFamily="34" charset="0"/>
               <a:buChar char="•"/>
             </a:pPr>
             <a:r>
-              <a:rPr lang="en-US" sz="1200" dirty="0" err="1" smtClean="0"/>
+              <a:rPr lang="en-US" dirty="0" err="1" smtClean="0"/>
               <a:t>IsDestructable</a:t>
             </a:r>
-            <a:endParaRPr lang="en-US" sz="1200" dirty="0"/>
+            <a:endParaRPr lang="en-US" dirty="0"/>
           </a:p>
         </p:txBody>
       </p:sp>
@@ -4046,7 +4381,7 @@
           <a:p>
             <a:pPr algn="ctr"/>
             <a:r>
-              <a:rPr lang="en-US" dirty="0" smtClean="0"/>
+              <a:rPr lang="en-US" sz="2800" dirty="0" smtClean="0"/>
               <a:t>Crater</a:t>
             </a:r>
           </a:p>
@@ -4056,10 +4391,10 @@
               <a:buChar char="•"/>
             </a:pPr>
             <a:r>
-              <a:rPr lang="en-US" sz="1200" dirty="0" err="1" smtClean="0"/>
+              <a:rPr lang="en-US" sz="2800" dirty="0" err="1" smtClean="0"/>
               <a:t>IsDestructable</a:t>
             </a:r>
-            <a:endParaRPr lang="en-US" sz="1200" dirty="0"/>
+            <a:endParaRPr lang="en-US" sz="2800" dirty="0"/>
           </a:p>
         </p:txBody>
       </p:sp>
@@ -4182,84 +4517,86 @@
         </p:nvSpPr>
         <p:spPr/>
         <p:txBody>
-          <a:bodyPr/>
-          <a:lstStyle/>
-          <a:p>
-            <a:r>
-              <a:rPr lang="fr-CA" dirty="0" err="1"/>
+          <a:bodyPr>
+            <a:normAutofit/>
+          </a:bodyPr>
+          <a:lstStyle/>
+          <a:p>
+            <a:r>
+              <a:rPr lang="fr-CA" sz="3600" dirty="0" err="1"/>
               <a:t>Originally</a:t>
             </a:r>
             <a:r>
-              <a:rPr lang="fr-CA" dirty="0"/>
+              <a:rPr lang="fr-CA" sz="3600" dirty="0"/>
               <a:t> </a:t>
             </a:r>
             <a:r>
-              <a:rPr lang="fr-CA" dirty="0" err="1"/>
+              <a:rPr lang="fr-CA" sz="3600" dirty="0" err="1"/>
               <a:t>credited</a:t>
             </a:r>
             <a:r>
-              <a:rPr lang="fr-CA" dirty="0"/>
+              <a:rPr lang="fr-CA" sz="3600" dirty="0"/>
               <a:t> to Bertrand Meyer in 1988</a:t>
             </a:r>
           </a:p>
           <a:p>
             <a:r>
-              <a:rPr lang="fr-CA" b="1" dirty="0"/>
+              <a:rPr lang="fr-CA" sz="3600" b="1" dirty="0"/>
               <a:t>Open</a:t>
             </a:r>
             <a:r>
-              <a:rPr lang="fr-CA" dirty="0"/>
+              <a:rPr lang="fr-CA" sz="3600" dirty="0"/>
               <a:t> for extension, but </a:t>
             </a:r>
             <a:r>
-              <a:rPr lang="fr-CA" b="1" dirty="0" err="1"/>
+              <a:rPr lang="fr-CA" sz="3600" b="1" dirty="0" err="1"/>
               <a:t>Closed</a:t>
             </a:r>
             <a:r>
-              <a:rPr lang="fr-CA" dirty="0"/>
+              <a:rPr lang="fr-CA" sz="3600" dirty="0"/>
               <a:t> for modification</a:t>
             </a:r>
           </a:p>
           <a:p>
             <a:r>
-              <a:rPr lang="fr-CA" dirty="0" err="1"/>
+              <a:rPr lang="fr-CA" sz="3600" dirty="0" err="1"/>
               <a:t>Redefined</a:t>
             </a:r>
             <a:r>
-              <a:rPr lang="fr-CA" dirty="0"/>
+              <a:rPr lang="fr-CA" sz="3600" dirty="0"/>
               <a:t> to </a:t>
             </a:r>
             <a:r>
-              <a:rPr lang="fr-CA" dirty="0" err="1"/>
+              <a:rPr lang="fr-CA" sz="3600" dirty="0" err="1"/>
               <a:t>advocate</a:t>
             </a:r>
             <a:r>
-              <a:rPr lang="fr-CA" dirty="0"/>
+              <a:rPr lang="fr-CA" sz="3600" dirty="0"/>
               <a:t> </a:t>
             </a:r>
             <a:r>
-              <a:rPr lang="fr-CA" dirty="0" err="1"/>
+              <a:rPr lang="fr-CA" sz="3600" dirty="0" err="1"/>
               <a:t>using</a:t>
             </a:r>
             <a:r>
-              <a:rPr lang="fr-CA" dirty="0"/>
+              <a:rPr lang="fr-CA" sz="3600" dirty="0"/>
               <a:t> abstract base classes</a:t>
             </a:r>
           </a:p>
           <a:p>
             <a:r>
-              <a:rPr lang="fr-CA" dirty="0" err="1"/>
+              <a:rPr lang="fr-CA" sz="3600" dirty="0" err="1"/>
               <a:t>Continually</a:t>
             </a:r>
             <a:r>
-              <a:rPr lang="fr-CA" dirty="0"/>
+              <a:rPr lang="fr-CA" sz="3600" dirty="0"/>
               <a:t> </a:t>
             </a:r>
             <a:r>
-              <a:rPr lang="fr-CA" dirty="0" err="1"/>
+              <a:rPr lang="fr-CA" sz="3600" dirty="0" err="1"/>
               <a:t>evolving</a:t>
             </a:r>
-            <a:endParaRPr lang="fr-CA" dirty="0"/>
+            <a:endParaRPr lang="fr-CA" sz="3600" dirty="0"/>
           </a:p>
         </p:txBody>
       </p:sp>
@@ -4390,64 +4727,66 @@
         </p:nvSpPr>
         <p:spPr/>
         <p:txBody>
-          <a:bodyPr/>
+          <a:bodyPr>
+            <a:normAutofit/>
+          </a:bodyPr>
           <a:lstStyle/>
           <a:p>
             <a:pPr>
               <a:defRPr/>
             </a:pPr>
             <a:r>
-              <a:rPr lang="fr-CA" dirty="0"/>
+              <a:rPr lang="fr-CA" sz="3600" dirty="0"/>
               <a:t>Concepts </a:t>
             </a:r>
             <a:r>
-              <a:rPr lang="fr-CA" dirty="0" err="1"/>
+              <a:rPr lang="fr-CA" sz="3600" dirty="0" err="1"/>
               <a:t>at</a:t>
             </a:r>
             <a:r>
-              <a:rPr lang="fr-CA" dirty="0"/>
+              <a:rPr lang="fr-CA" sz="3600" dirty="0"/>
               <a:t> </a:t>
             </a:r>
             <a:r>
-              <a:rPr lang="en-US" dirty="0"/>
+              <a:rPr lang="en-US" sz="3600" dirty="0"/>
               <a:t>odds</a:t>
             </a:r>
             <a:r>
-              <a:rPr lang="fr-CA" dirty="0"/>
+              <a:rPr lang="fr-CA" sz="3600" dirty="0"/>
               <a:t> </a:t>
             </a:r>
             <a:r>
-              <a:rPr lang="fr-CA" dirty="0" err="1"/>
+              <a:rPr lang="fr-CA" sz="3600" dirty="0" err="1"/>
               <a:t>with</a:t>
             </a:r>
             <a:r>
-              <a:rPr lang="fr-CA" dirty="0"/>
+              <a:rPr lang="fr-CA" sz="3600" dirty="0"/>
               <a:t> </a:t>
             </a:r>
             <a:r>
-              <a:rPr lang="fr-CA" dirty="0" err="1"/>
+              <a:rPr lang="fr-CA" sz="3600" dirty="0" err="1"/>
               <a:t>each</a:t>
             </a:r>
             <a:r>
-              <a:rPr lang="fr-CA" dirty="0"/>
+              <a:rPr lang="fr-CA" sz="3600" dirty="0"/>
               <a:t> </a:t>
             </a:r>
             <a:r>
-              <a:rPr lang="fr-CA" dirty="0" err="1"/>
+              <a:rPr lang="fr-CA" sz="3600" dirty="0" err="1"/>
               <a:t>other</a:t>
             </a:r>
-            <a:endParaRPr lang="fr-CA" dirty="0"/>
+            <a:endParaRPr lang="fr-CA" sz="3600" dirty="0"/>
           </a:p>
           <a:p>
             <a:pPr>
               <a:defRPr/>
             </a:pPr>
             <a:r>
-              <a:rPr lang="fr-CA" dirty="0" err="1"/>
+              <a:rPr lang="fr-CA" sz="3600" dirty="0" err="1"/>
               <a:t>Don’t</a:t>
             </a:r>
             <a:r>
-              <a:rPr lang="fr-CA" dirty="0"/>
+              <a:rPr lang="fr-CA" sz="3600" dirty="0"/>
               <a:t> change classes</a:t>
             </a:r>
           </a:p>
@@ -4456,15 +4795,15 @@
               <a:defRPr/>
             </a:pPr>
             <a:r>
-              <a:rPr lang="fr-CA" dirty="0"/>
+              <a:rPr lang="fr-CA" sz="3600" dirty="0"/>
               <a:t>Open for </a:t>
             </a:r>
             <a:r>
-              <a:rPr lang="fr-CA" dirty="0" err="1"/>
+              <a:rPr lang="fr-CA" sz="3600" dirty="0" err="1"/>
               <a:t>most</a:t>
             </a:r>
             <a:r>
-              <a:rPr lang="fr-CA" dirty="0"/>
+              <a:rPr lang="fr-CA" sz="3600" dirty="0"/>
               <a:t> probable changes</a:t>
             </a:r>
           </a:p>
@@ -4597,44 +4936,46 @@
         </p:nvSpPr>
         <p:spPr/>
         <p:txBody>
-          <a:bodyPr/>
+          <a:bodyPr>
+            <a:normAutofit/>
+          </a:bodyPr>
           <a:lstStyle/>
           <a:p>
             <a:pPr>
               <a:defRPr/>
             </a:pPr>
             <a:r>
-              <a:rPr lang="fr-CA" dirty="0" err="1"/>
+              <a:rPr lang="fr-CA" sz="3600" dirty="0" err="1"/>
               <a:t>Don’t</a:t>
             </a:r>
             <a:r>
-              <a:rPr lang="fr-CA" dirty="0"/>
+              <a:rPr lang="fr-CA" sz="3600" dirty="0"/>
               <a:t> have to change code once </a:t>
             </a:r>
             <a:r>
-              <a:rPr lang="fr-CA" dirty="0" err="1"/>
+              <a:rPr lang="fr-CA" sz="3600" dirty="0" err="1"/>
               <a:t>it</a:t>
             </a:r>
             <a:r>
-              <a:rPr lang="fr-CA" dirty="0"/>
+              <a:rPr lang="fr-CA" sz="3600" dirty="0"/>
               <a:t> </a:t>
             </a:r>
             <a:r>
-              <a:rPr lang="fr-CA" dirty="0" err="1"/>
+              <a:rPr lang="fr-CA" sz="3600" dirty="0" err="1"/>
               <a:t>works</a:t>
             </a:r>
-            <a:endParaRPr lang="fr-CA" dirty="0"/>
+            <a:endParaRPr lang="fr-CA" sz="3600" dirty="0"/>
           </a:p>
           <a:p>
             <a:pPr>
               <a:defRPr/>
             </a:pPr>
             <a:r>
-              <a:rPr lang="fr-CA" dirty="0" err="1"/>
+              <a:rPr lang="fr-CA" sz="3600" dirty="0" err="1"/>
               <a:t>Don’t</a:t>
             </a:r>
             <a:r>
-              <a:rPr lang="fr-CA" dirty="0"/>
+              <a:rPr lang="fr-CA" sz="3600" dirty="0"/>
               <a:t> have to rewrite tests</a:t>
             </a:r>
           </a:p>
@@ -4643,30 +4984,29 @@
               <a:defRPr/>
             </a:pPr>
             <a:r>
-              <a:rPr lang="fr-CA" dirty="0" err="1"/>
+              <a:rPr lang="fr-CA" sz="3600" dirty="0" err="1"/>
               <a:t>Doesn’t</a:t>
             </a:r>
             <a:r>
-              <a:rPr lang="fr-CA" dirty="0"/>
+              <a:rPr lang="fr-CA" sz="3600" dirty="0"/>
               <a:t> </a:t>
             </a:r>
             <a:r>
-              <a:rPr lang="fr-CA" dirty="0" err="1"/>
+              <a:rPr lang="fr-CA" sz="3600" dirty="0" err="1"/>
               <a:t>only</a:t>
             </a:r>
             <a:r>
-              <a:rPr lang="fr-CA" dirty="0"/>
+              <a:rPr lang="fr-CA" sz="3600" dirty="0"/>
               <a:t> </a:t>
             </a:r>
             <a:r>
-              <a:rPr lang="fr-CA" dirty="0" err="1"/>
+              <a:rPr lang="fr-CA" sz="3600" dirty="0" err="1"/>
               <a:t>apply</a:t>
             </a:r>
             <a:r>
-              <a:rPr lang="fr-CA" dirty="0"/>
+              <a:rPr lang="fr-CA" sz="3600" dirty="0"/>
               <a:t> to base classes</a:t>
             </a:r>
-            <a:endParaRPr lang="fr-CA" dirty="0"/>
           </a:p>
         </p:txBody>
       </p:sp>
@@ -4693,7 +5033,7 @@
         </p:blipFill>
         <p:spPr bwMode="auto">
           <a:xfrm>
-            <a:off x="5810712" y="3407229"/>
+            <a:off x="5727584" y="3723347"/>
             <a:ext cx="3882829" cy="2588553"/>
           </a:xfrm>
           <a:prstGeom prst="rect">
@@ -4737,7 +5077,7 @@
     <p:bg>
       <p:bgPr>
         <a:blipFill dpi="0" rotWithShape="1">
-          <a:blip r:embed="rId2">
+          <a:blip r:embed="rId3">
             <a:lum/>
           </a:blip>
           <a:srcRect/>
@@ -4792,60 +5132,93 @@
             <a:spLocks noGrp="1"/>
           </p:cNvSpPr>
           <p:nvPr>
-            <p:ph idx="1"/>
-          </p:nvPr>
-        </p:nvSpPr>
-        <p:spPr/>
-        <p:txBody>
-          <a:bodyPr/>
-          <a:lstStyle/>
-          <a:p>
-            <a:r>
-              <a:rPr lang="fr-CA" dirty="0"/>
+            <p:ph sz="half" idx="1"/>
+          </p:nvPr>
+        </p:nvSpPr>
+        <p:spPr>
+          <a:xfrm>
+            <a:off x="838200" y="1825625"/>
+            <a:ext cx="4596245" cy="4351338"/>
+          </a:xfrm>
+        </p:spPr>
+        <p:txBody>
+          <a:bodyPr>
+            <a:normAutofit/>
+          </a:bodyPr>
+          <a:lstStyle/>
+          <a:p>
+            <a:r>
+              <a:rPr lang="fr-CA" sz="3600" dirty="0"/>
               <a:t>Abstract base classes!</a:t>
             </a:r>
           </a:p>
           <a:p>
             <a:r>
-              <a:rPr lang="fr-CA" dirty="0" err="1"/>
+              <a:rPr lang="fr-CA" sz="3600" dirty="0" err="1"/>
               <a:t>Inheritance</a:t>
             </a:r>
-            <a:endParaRPr lang="fr-CA" dirty="0"/>
-          </a:p>
-          <a:p>
-            <a:r>
-              <a:rPr lang="fr-CA" dirty="0" err="1"/>
-              <a:t>Protected</a:t>
-            </a:r>
-            <a:r>
-              <a:rPr lang="fr-CA" dirty="0"/>
-              <a:t> </a:t>
-            </a:r>
-            <a:r>
-              <a:rPr lang="fr-CA" dirty="0" err="1"/>
-              <a:t>methods</a:t>
-            </a:r>
-            <a:endParaRPr lang="fr-CA" dirty="0"/>
-          </a:p>
-          <a:p>
-            <a:r>
-              <a:rPr lang="fr-CA" dirty="0"/>
-              <a:t>Virtual and abstract </a:t>
-            </a:r>
-            <a:r>
-              <a:rPr lang="fr-CA" dirty="0" err="1"/>
-              <a:t>methods</a:t>
-            </a:r>
-            <a:endParaRPr lang="fr-CA" dirty="0"/>
+            <a:endParaRPr lang="fr-CA" sz="3600" dirty="0"/>
           </a:p>
           <a:p>
             <a:pPr marL="0" indent="0">
               <a:buNone/>
             </a:pPr>
-            <a:endParaRPr lang="fr-CA" dirty="0"/>
-          </a:p>
-          <a:p>
-            <a:endParaRPr lang="fr-CA" dirty="0"/>
+            <a:endParaRPr lang="fr-CA" sz="3600" dirty="0"/>
+          </a:p>
+          <a:p>
+            <a:endParaRPr lang="fr-CA" sz="3600" dirty="0"/>
+          </a:p>
+        </p:txBody>
+      </p:sp>
+      <p:sp>
+        <p:nvSpPr>
+          <p:cNvPr id="4" name="Content Placeholder 3"/>
+          <p:cNvSpPr>
+            <a:spLocks noGrp="1"/>
+          </p:cNvSpPr>
+          <p:nvPr>
+            <p:ph sz="half" idx="2"/>
+          </p:nvPr>
+        </p:nvSpPr>
+        <p:spPr>
+          <a:xfrm>
+            <a:off x="5434446" y="1825625"/>
+            <a:ext cx="4499264" cy="4351338"/>
+          </a:xfrm>
+        </p:spPr>
+        <p:txBody>
+          <a:bodyPr>
+            <a:normAutofit/>
+          </a:bodyPr>
+          <a:lstStyle/>
+          <a:p>
+            <a:r>
+              <a:rPr lang="fr-CA" sz="3600" dirty="0" err="1"/>
+              <a:t>Protected</a:t>
+            </a:r>
+            <a:r>
+              <a:rPr lang="fr-CA" sz="3600" dirty="0"/>
+              <a:t> </a:t>
+            </a:r>
+            <a:r>
+              <a:rPr lang="fr-CA" sz="3600" dirty="0" err="1"/>
+              <a:t>methods</a:t>
+            </a:r>
+            <a:endParaRPr lang="fr-CA" sz="3600" dirty="0"/>
+          </a:p>
+          <a:p>
+            <a:r>
+              <a:rPr lang="fr-CA" sz="3600" dirty="0"/>
+              <a:t>Virtual and abstract </a:t>
+            </a:r>
+            <a:r>
+              <a:rPr lang="fr-CA" sz="3600" dirty="0" err="1"/>
+              <a:t>methods</a:t>
+            </a:r>
+            <a:endParaRPr lang="fr-CA" sz="3600" dirty="0"/>
+          </a:p>
+          <a:p>
+            <a:endParaRPr lang="en-US" sz="3600" dirty="0"/>
           </a:p>
         </p:txBody>
       </p:sp>
@@ -4858,7 +5231,7 @@
           <p:nvPr/>
         </p:nvPicPr>
         <p:blipFill>
-          <a:blip r:embed="rId3">
+          <a:blip r:embed="rId4">
             <a:extLst>
               <a:ext uri="{28A0092B-C50C-407E-A947-70E740481C1C}">
                 <a14:useLocalDpi xmlns:a14="http://schemas.microsoft.com/office/drawing/2010/main" val="0"/>
@@ -4872,8 +5245,8 @@
         </p:blipFill>
         <p:spPr bwMode="auto">
           <a:xfrm>
-            <a:off x="5252358" y="3853379"/>
-            <a:ext cx="4724400" cy="2652933"/>
+            <a:off x="3028702" y="3821725"/>
+            <a:ext cx="5092490" cy="2859630"/>
           </a:xfrm>
           <a:prstGeom prst="rect">
             <a:avLst/>
@@ -4976,26 +5349,28 @@
         </p:nvSpPr>
         <p:spPr/>
         <p:txBody>
-          <a:bodyPr/>
+          <a:bodyPr>
+            <a:normAutofit/>
+          </a:bodyPr>
           <a:lstStyle/>
           <a:p>
             <a:pPr>
               <a:defRPr/>
             </a:pPr>
             <a:r>
-              <a:rPr lang="fr-CA" dirty="0" err="1"/>
+              <a:rPr lang="fr-CA" sz="3600" dirty="0" err="1"/>
               <a:t>Changed</a:t>
             </a:r>
             <a:r>
-              <a:rPr lang="fr-CA" dirty="0"/>
+              <a:rPr lang="fr-CA" sz="3600" dirty="0"/>
               <a:t> </a:t>
             </a:r>
             <a:r>
-              <a:rPr lang="fr-CA" dirty="0" err="1"/>
+              <a:rPr lang="fr-CA" sz="3600" dirty="0" err="1"/>
               <a:t>requirements</a:t>
             </a:r>
             <a:r>
-              <a:rPr lang="fr-CA" dirty="0"/>
+              <a:rPr lang="fr-CA" sz="3600" dirty="0"/>
               <a:t> for rover</a:t>
             </a:r>
           </a:p>
@@ -5004,23 +5379,23 @@
               <a:defRPr/>
             </a:pPr>
             <a:r>
-              <a:rPr lang="fr-CA" dirty="0"/>
+              <a:rPr lang="fr-CA" sz="3600" dirty="0"/>
               <a:t>Will </a:t>
             </a:r>
             <a:r>
-              <a:rPr lang="fr-CA" dirty="0" err="1"/>
+              <a:rPr lang="fr-CA" sz="3600" dirty="0" err="1"/>
               <a:t>be</a:t>
             </a:r>
             <a:r>
-              <a:rPr lang="fr-CA" dirty="0"/>
+              <a:rPr lang="fr-CA" sz="3600" dirty="0"/>
               <a:t> </a:t>
             </a:r>
             <a:r>
-              <a:rPr lang="fr-CA" dirty="0" err="1"/>
+              <a:rPr lang="fr-CA" sz="3600" dirty="0" err="1"/>
               <a:t>adding</a:t>
             </a:r>
             <a:r>
-              <a:rPr lang="fr-CA" dirty="0"/>
+              <a:rPr lang="fr-CA" sz="3600" dirty="0"/>
               <a:t> missiles</a:t>
             </a:r>
           </a:p>
@@ -5029,27 +5404,27 @@
               <a:defRPr/>
             </a:pPr>
             <a:r>
-              <a:rPr lang="fr-CA" dirty="0" err="1"/>
+              <a:rPr lang="fr-CA" sz="3600" dirty="0" err="1"/>
               <a:t>Why</a:t>
             </a:r>
             <a:r>
-              <a:rPr lang="fr-CA" dirty="0"/>
+              <a:rPr lang="fr-CA" sz="3600" dirty="0"/>
               <a:t> </a:t>
             </a:r>
             <a:r>
-              <a:rPr lang="fr-CA" dirty="0" err="1"/>
+              <a:rPr lang="fr-CA" sz="3600" dirty="0" err="1"/>
               <a:t>does</a:t>
             </a:r>
             <a:r>
-              <a:rPr lang="fr-CA" dirty="0"/>
+              <a:rPr lang="fr-CA" sz="3600" dirty="0"/>
               <a:t> a mars rover </a:t>
             </a:r>
             <a:r>
-              <a:rPr lang="fr-CA" dirty="0" err="1"/>
+              <a:rPr lang="fr-CA" sz="3600" dirty="0" err="1"/>
               <a:t>need</a:t>
             </a:r>
             <a:r>
-              <a:rPr lang="fr-CA" dirty="0"/>
+              <a:rPr lang="fr-CA" sz="3600" dirty="0"/>
               <a:t> a missile?</a:t>
             </a:r>
           </a:p>
@@ -5058,24 +5433,24 @@
               <a:defRPr/>
             </a:pPr>
             <a:r>
-              <a:rPr lang="fr-CA" dirty="0"/>
+              <a:rPr lang="fr-CA" sz="3600" dirty="0"/>
               <a:t>This </a:t>
             </a:r>
             <a:r>
-              <a:rPr lang="fr-CA" dirty="0" err="1"/>
+              <a:rPr lang="fr-CA" sz="3600" dirty="0" err="1"/>
               <a:t>thing</a:t>
             </a:r>
             <a:r>
-              <a:rPr lang="fr-CA" dirty="0"/>
+              <a:rPr lang="fr-CA" sz="3600" dirty="0"/>
               <a:t> </a:t>
             </a:r>
             <a:r>
-              <a:rPr lang="fr-CA" dirty="0">
+              <a:rPr lang="fr-CA" sz="3600" dirty="0">
                 <a:sym typeface="Wingdings" panose="05000000000000000000" pitchFamily="2" charset="2"/>
               </a:rPr>
               <a:t></a:t>
             </a:r>
-            <a:endParaRPr lang="fr-CA" dirty="0"/>
+            <a:endParaRPr lang="fr-CA" sz="3600" dirty="0"/>
           </a:p>
         </p:txBody>
       </p:sp>
@@ -5291,7 +5666,7 @@
     <p:bg>
       <p:bgPr>
         <a:blipFill dpi="0" rotWithShape="1">
-          <a:blip r:embed="rId2">
+          <a:blip r:embed="rId3">
             <a:lum/>
           </a:blip>
           <a:srcRect/>
@@ -5349,373 +5724,476 @@
             <p:ph idx="1"/>
           </p:nvPr>
         </p:nvSpPr>
-        <p:spPr/>
+        <p:spPr>
+          <a:xfrm>
+            <a:off x="838200" y="1430770"/>
+            <a:ext cx="10515600" cy="4351338"/>
+          </a:xfrm>
+        </p:spPr>
         <p:txBody>
           <a:bodyPr>
-            <a:normAutofit fontScale="62500" lnSpcReduction="20000"/>
+            <a:noAutofit/>
           </a:bodyPr>
           <a:lstStyle/>
-          <a:p>
-            <a:r>
-              <a:rPr lang="fr-CA" dirty="0" err="1"/>
-              <a:t>Rovers</a:t>
-            </a:r>
-            <a:r>
-              <a:rPr lang="fr-CA" dirty="0"/>
-              <a:t> are </a:t>
-            </a:r>
-            <a:r>
-              <a:rPr lang="fr-CA" dirty="0" err="1"/>
-              <a:t>equipped</a:t>
-            </a:r>
-            <a:r>
-              <a:rPr lang="fr-CA" dirty="0"/>
-              <a:t> </a:t>
-            </a:r>
-            <a:r>
-              <a:rPr lang="fr-CA" dirty="0" err="1"/>
-              <a:t>with</a:t>
-            </a:r>
-            <a:r>
-              <a:rPr lang="fr-CA" dirty="0"/>
-              <a:t> 3 missiles and 3 </a:t>
-            </a:r>
-            <a:r>
-              <a:rPr lang="fr-CA" dirty="0" err="1"/>
-              <a:t>mortars</a:t>
-            </a:r>
-            <a:endParaRPr lang="fr-CA" dirty="0"/>
-          </a:p>
-          <a:p>
-            <a:r>
-              <a:rPr lang="fr-CA" dirty="0" err="1"/>
-              <a:t>Missile’s</a:t>
-            </a:r>
-            <a:r>
-              <a:rPr lang="fr-CA" dirty="0"/>
-              <a:t> range </a:t>
-            </a:r>
-            <a:r>
-              <a:rPr lang="fr-CA" dirty="0" err="1"/>
-              <a:t>is</a:t>
-            </a:r>
-            <a:r>
-              <a:rPr lang="fr-CA" dirty="0"/>
-              <a:t> 5 </a:t>
-            </a:r>
-            <a:r>
-              <a:rPr lang="fr-CA" dirty="0" err="1"/>
-              <a:t>spaces</a:t>
-            </a:r>
-            <a:endParaRPr lang="fr-CA" dirty="0"/>
-          </a:p>
-          <a:p>
-            <a:r>
-              <a:rPr lang="fr-CA" dirty="0"/>
-              <a:t>Missile </a:t>
-            </a:r>
-            <a:r>
-              <a:rPr lang="fr-CA" dirty="0" err="1"/>
-              <a:t>collides</a:t>
-            </a:r>
-            <a:r>
-              <a:rPr lang="fr-CA" dirty="0"/>
-              <a:t> </a:t>
-            </a:r>
-            <a:r>
-              <a:rPr lang="fr-CA" dirty="0" err="1"/>
-              <a:t>with</a:t>
-            </a:r>
-            <a:r>
-              <a:rPr lang="fr-CA" dirty="0"/>
-              <a:t> obstacles in the </a:t>
-            </a:r>
-            <a:r>
-              <a:rPr lang="fr-CA" dirty="0" err="1"/>
-              <a:t>way</a:t>
-            </a:r>
-            <a:endParaRPr lang="fr-CA" dirty="0"/>
-          </a:p>
-          <a:p>
-            <a:r>
-              <a:rPr lang="fr-CA" dirty="0" err="1"/>
-              <a:t>Mortar’s</a:t>
-            </a:r>
-            <a:r>
-              <a:rPr lang="fr-CA" dirty="0"/>
-              <a:t> range </a:t>
-            </a:r>
-            <a:r>
-              <a:rPr lang="fr-CA" dirty="0" err="1"/>
-              <a:t>is</a:t>
-            </a:r>
-            <a:r>
-              <a:rPr lang="fr-CA" dirty="0"/>
-              <a:t> 10 </a:t>
-            </a:r>
-            <a:r>
-              <a:rPr lang="fr-CA" dirty="0" err="1"/>
-              <a:t>spaces</a:t>
-            </a:r>
-            <a:endParaRPr lang="fr-CA" dirty="0"/>
-          </a:p>
-          <a:p>
-            <a:r>
-              <a:rPr lang="fr-CA" dirty="0" err="1"/>
-              <a:t>Mortar</a:t>
-            </a:r>
-            <a:r>
-              <a:rPr lang="fr-CA" dirty="0"/>
-              <a:t> </a:t>
-            </a:r>
-            <a:r>
-              <a:rPr lang="fr-CA" dirty="0" err="1"/>
-              <a:t>only</a:t>
-            </a:r>
-            <a:r>
-              <a:rPr lang="fr-CA" dirty="0"/>
-              <a:t> </a:t>
-            </a:r>
-            <a:r>
-              <a:rPr lang="fr-CA" dirty="0" err="1"/>
-              <a:t>collides</a:t>
-            </a:r>
-            <a:r>
-              <a:rPr lang="fr-CA" dirty="0"/>
-              <a:t> </a:t>
-            </a:r>
-            <a:r>
-              <a:rPr lang="fr-CA" dirty="0" err="1"/>
-              <a:t>with</a:t>
-            </a:r>
-            <a:r>
-              <a:rPr lang="fr-CA" dirty="0"/>
-              <a:t> obstacles </a:t>
-            </a:r>
-            <a:r>
-              <a:rPr lang="fr-CA" dirty="0" err="1"/>
-              <a:t>at</a:t>
-            </a:r>
-            <a:r>
-              <a:rPr lang="fr-CA" dirty="0"/>
-              <a:t> landing</a:t>
-            </a:r>
-          </a:p>
-          <a:p>
-            <a:r>
-              <a:rPr lang="fr-CA" dirty="0" err="1"/>
-              <a:t>FireProjectile</a:t>
-            </a:r>
-            <a:r>
-              <a:rPr lang="fr-CA" dirty="0"/>
-              <a:t> must </a:t>
-            </a:r>
-            <a:r>
-              <a:rPr lang="fr-CA" dirty="0" err="1"/>
-              <a:t>handle</a:t>
-            </a:r>
-            <a:r>
-              <a:rPr lang="fr-CA" dirty="0"/>
-              <a:t> </a:t>
-            </a:r>
-            <a:r>
-              <a:rPr lang="fr-CA" dirty="0" err="1"/>
-              <a:t>any</a:t>
-            </a:r>
-            <a:r>
-              <a:rPr lang="fr-CA" dirty="0"/>
-              <a:t> projectile type</a:t>
-            </a:r>
-          </a:p>
-          <a:p>
-            <a:r>
-              <a:rPr lang="fr-CA" dirty="0"/>
-              <a:t>Collisions destroy obstacles</a:t>
-            </a:r>
-          </a:p>
-          <a:p>
-            <a:r>
-              <a:rPr lang="fr-CA" dirty="0"/>
-              <a:t>Non-collisions </a:t>
-            </a:r>
-            <a:r>
-              <a:rPr lang="fr-CA" dirty="0" err="1"/>
-              <a:t>create</a:t>
-            </a:r>
-            <a:r>
-              <a:rPr lang="fr-CA" dirty="0"/>
-              <a:t> indestructible obstacles</a:t>
-            </a:r>
-          </a:p>
-          <a:p>
-            <a:r>
-              <a:rPr lang="fr-CA" i="1" dirty="0"/>
-              <a:t>Code </a:t>
-            </a:r>
-            <a:r>
-              <a:rPr lang="fr-CA" i="1" dirty="0" err="1"/>
-              <a:t>currently</a:t>
-            </a:r>
-            <a:r>
-              <a:rPr lang="fr-CA" i="1" dirty="0"/>
-              <a:t> </a:t>
-            </a:r>
-            <a:r>
-              <a:rPr lang="fr-CA" i="1" dirty="0" err="1"/>
-              <a:t>works</a:t>
-            </a:r>
-            <a:r>
-              <a:rPr lang="fr-CA" i="1" dirty="0"/>
-              <a:t>. </a:t>
-            </a:r>
-            <a:r>
-              <a:rPr lang="fr-CA" i="1" dirty="0" err="1"/>
-              <a:t>Needs</a:t>
-            </a:r>
-            <a:r>
-              <a:rPr lang="fr-CA" i="1" dirty="0"/>
-              <a:t> </a:t>
-            </a:r>
-            <a:r>
-              <a:rPr lang="fr-CA" i="1" dirty="0" err="1"/>
-              <a:t>refactored</a:t>
-            </a:r>
-            <a:r>
-              <a:rPr lang="fr-CA" i="1" dirty="0"/>
-              <a:t>.</a:t>
-            </a:r>
-          </a:p>
-          <a:p>
-            <a:r>
-              <a:rPr lang="fr-CA" i="1" dirty="0" err="1"/>
-              <a:t>Consider</a:t>
-            </a:r>
-            <a:r>
-              <a:rPr lang="fr-CA" i="1" dirty="0"/>
-              <a:t> abstract base class for Projectile.</a:t>
-            </a:r>
-          </a:p>
-          <a:p>
-            <a:r>
-              <a:rPr lang="fr-CA" i="1" dirty="0" err="1"/>
-              <a:t>Booleans</a:t>
-            </a:r>
-            <a:r>
-              <a:rPr lang="fr-CA" i="1" dirty="0"/>
-              <a:t> </a:t>
-            </a:r>
-            <a:r>
-              <a:rPr lang="fr-CA" i="1" dirty="0" err="1"/>
-              <a:t>determining</a:t>
-            </a:r>
-            <a:r>
-              <a:rPr lang="fr-CA" i="1" dirty="0"/>
-              <a:t> </a:t>
-            </a:r>
-            <a:r>
-              <a:rPr lang="fr-CA" i="1" dirty="0" err="1"/>
-              <a:t>functionality</a:t>
-            </a:r>
-            <a:r>
-              <a:rPr lang="fr-CA" i="1" dirty="0"/>
-              <a:t> are code </a:t>
-            </a:r>
-            <a:r>
-              <a:rPr lang="fr-CA" i="1" dirty="0" err="1"/>
-              <a:t>smells</a:t>
-            </a:r>
-            <a:r>
-              <a:rPr lang="fr-CA" i="1" dirty="0"/>
-              <a:t> </a:t>
-            </a:r>
-          </a:p>
-          <a:p>
-            <a:r>
-              <a:rPr lang="fr-CA" i="1" dirty="0"/>
-              <a:t>If a new projectile </a:t>
-            </a:r>
-            <a:r>
-              <a:rPr lang="fr-CA" i="1" dirty="0" err="1"/>
-              <a:t>is</a:t>
-            </a:r>
-            <a:r>
-              <a:rPr lang="fr-CA" i="1" dirty="0"/>
-              <a:t> </a:t>
-            </a:r>
-            <a:r>
-              <a:rPr lang="fr-CA" i="1" dirty="0" err="1"/>
-              <a:t>added</a:t>
-            </a:r>
-            <a:r>
-              <a:rPr lang="fr-CA" i="1" dirty="0"/>
-              <a:t>, </a:t>
-            </a:r>
-            <a:r>
-              <a:rPr lang="fr-CA" i="1" dirty="0" err="1"/>
-              <a:t>then</a:t>
-            </a:r>
-            <a:r>
-              <a:rPr lang="fr-CA" i="1" dirty="0"/>
-              <a:t> the </a:t>
-            </a:r>
-            <a:r>
-              <a:rPr lang="fr-CA" i="1" dirty="0" err="1"/>
-              <a:t>FireProjectile</a:t>
-            </a:r>
-            <a:r>
-              <a:rPr lang="fr-CA" i="1" dirty="0"/>
-              <a:t> has to </a:t>
-            </a:r>
-            <a:r>
-              <a:rPr lang="fr-CA" i="1" dirty="0" err="1"/>
-              <a:t>be</a:t>
-            </a:r>
-            <a:r>
-              <a:rPr lang="fr-CA" i="1" dirty="0"/>
-              <a:t> </a:t>
-            </a:r>
-            <a:r>
-              <a:rPr lang="fr-CA" i="1" dirty="0" err="1"/>
-              <a:t>changed</a:t>
-            </a:r>
-            <a:r>
-              <a:rPr lang="fr-CA" i="1" dirty="0"/>
-              <a:t> in Rover class</a:t>
-            </a:r>
-          </a:p>
-          <a:p>
-            <a:r>
-              <a:rPr lang="fr-CA" i="1" dirty="0"/>
-              <a:t>Type ‘</a:t>
-            </a:r>
-            <a:r>
-              <a:rPr lang="fr-CA" i="1" dirty="0" err="1"/>
-              <a:t>runcukes</a:t>
-            </a:r>
-            <a:r>
-              <a:rPr lang="fr-CA" i="1" dirty="0"/>
-              <a:t>’ </a:t>
-            </a:r>
-            <a:r>
-              <a:rPr lang="fr-CA" i="1" dirty="0" err="1"/>
-              <a:t>from</a:t>
-            </a:r>
-            <a:r>
-              <a:rPr lang="fr-CA" i="1" dirty="0"/>
-              <a:t> directory</a:t>
-            </a:r>
-          </a:p>
-          <a:p>
-            <a:endParaRPr lang="fr-CA" sz="3200" i="1" dirty="0"/>
-          </a:p>
           <a:p>
             <a:pPr marL="0" indent="0">
               <a:buNone/>
             </a:pPr>
-            <a:endParaRPr lang="fr-CA" sz="3200" dirty="0"/>
-          </a:p>
-          <a:p>
-            <a:endParaRPr lang="fr-CA" sz="3200" dirty="0"/>
+            <a:r>
+              <a:rPr lang="fr-CA" sz="1600" b="1" dirty="0" err="1" smtClean="0"/>
+              <a:t>Functionality</a:t>
+            </a:r>
+            <a:r>
+              <a:rPr lang="fr-CA" sz="1600" b="1" dirty="0" smtClean="0"/>
+              <a:t> (</a:t>
+            </a:r>
+            <a:r>
+              <a:rPr lang="fr-CA" sz="1600" b="1" dirty="0" err="1" smtClean="0"/>
+              <a:t>Already</a:t>
+            </a:r>
+            <a:r>
+              <a:rPr lang="fr-CA" sz="1600" b="1" dirty="0" smtClean="0"/>
+              <a:t> </a:t>
+            </a:r>
+            <a:r>
+              <a:rPr lang="fr-CA" sz="1600" b="1" dirty="0" err="1" smtClean="0"/>
+              <a:t>Implemented</a:t>
+            </a:r>
+            <a:r>
+              <a:rPr lang="fr-CA" sz="1600" b="1" dirty="0" smtClean="0"/>
+              <a:t>)</a:t>
+            </a:r>
+          </a:p>
+          <a:p>
+            <a:r>
+              <a:rPr lang="fr-CA" sz="1600" dirty="0" err="1" smtClean="0"/>
+              <a:t>Rovers</a:t>
+            </a:r>
+            <a:r>
+              <a:rPr lang="fr-CA" sz="1600" dirty="0" smtClean="0"/>
+              <a:t> </a:t>
+            </a:r>
+            <a:r>
+              <a:rPr lang="fr-CA" sz="1600" dirty="0"/>
+              <a:t>are </a:t>
+            </a:r>
+            <a:r>
+              <a:rPr lang="fr-CA" sz="1600" dirty="0" err="1"/>
+              <a:t>equipped</a:t>
+            </a:r>
+            <a:r>
+              <a:rPr lang="fr-CA" sz="1600" dirty="0"/>
+              <a:t> </a:t>
+            </a:r>
+            <a:r>
+              <a:rPr lang="fr-CA" sz="1600" dirty="0" err="1"/>
+              <a:t>with</a:t>
+            </a:r>
+            <a:r>
+              <a:rPr lang="fr-CA" sz="1600" dirty="0"/>
+              <a:t> 3 missiles and 3 </a:t>
+            </a:r>
+            <a:r>
+              <a:rPr lang="fr-CA" sz="1600" dirty="0" err="1"/>
+              <a:t>mortars</a:t>
+            </a:r>
+            <a:endParaRPr lang="fr-CA" sz="1600" dirty="0"/>
+          </a:p>
+          <a:p>
+            <a:r>
+              <a:rPr lang="fr-CA" sz="1600" dirty="0" err="1"/>
+              <a:t>Missile’s</a:t>
+            </a:r>
+            <a:r>
+              <a:rPr lang="fr-CA" sz="1600" dirty="0"/>
+              <a:t> range </a:t>
+            </a:r>
+            <a:r>
+              <a:rPr lang="fr-CA" sz="1600" dirty="0" err="1"/>
+              <a:t>is</a:t>
+            </a:r>
+            <a:r>
+              <a:rPr lang="fr-CA" sz="1600" dirty="0"/>
+              <a:t> 5 </a:t>
+            </a:r>
+            <a:r>
+              <a:rPr lang="fr-CA" sz="1600" dirty="0" err="1"/>
+              <a:t>spaces</a:t>
+            </a:r>
+            <a:endParaRPr lang="fr-CA" sz="1600" dirty="0"/>
+          </a:p>
+          <a:p>
+            <a:r>
+              <a:rPr lang="fr-CA" sz="1600" dirty="0"/>
+              <a:t>Missile </a:t>
+            </a:r>
+            <a:r>
+              <a:rPr lang="fr-CA" sz="1600" dirty="0" err="1"/>
+              <a:t>collides</a:t>
+            </a:r>
+            <a:r>
+              <a:rPr lang="fr-CA" sz="1600" dirty="0"/>
+              <a:t> </a:t>
+            </a:r>
+            <a:r>
+              <a:rPr lang="fr-CA" sz="1600" dirty="0" err="1"/>
+              <a:t>with</a:t>
+            </a:r>
+            <a:r>
+              <a:rPr lang="fr-CA" sz="1600" dirty="0"/>
+              <a:t> obstacles in the </a:t>
+            </a:r>
+            <a:r>
+              <a:rPr lang="fr-CA" sz="1600" dirty="0" err="1"/>
+              <a:t>way</a:t>
+            </a:r>
+            <a:endParaRPr lang="fr-CA" sz="1600" dirty="0"/>
+          </a:p>
+          <a:p>
+            <a:r>
+              <a:rPr lang="fr-CA" sz="1600" dirty="0" err="1"/>
+              <a:t>Mortar’s</a:t>
+            </a:r>
+            <a:r>
+              <a:rPr lang="fr-CA" sz="1600" dirty="0"/>
+              <a:t> range </a:t>
+            </a:r>
+            <a:r>
+              <a:rPr lang="fr-CA" sz="1600" dirty="0" err="1"/>
+              <a:t>is</a:t>
+            </a:r>
+            <a:r>
+              <a:rPr lang="fr-CA" sz="1600" dirty="0"/>
+              <a:t> 10 </a:t>
+            </a:r>
+            <a:r>
+              <a:rPr lang="fr-CA" sz="1600" dirty="0" err="1"/>
+              <a:t>spaces</a:t>
+            </a:r>
+            <a:endParaRPr lang="fr-CA" sz="1600" dirty="0"/>
+          </a:p>
+          <a:p>
+            <a:r>
+              <a:rPr lang="fr-CA" sz="1600" dirty="0" err="1"/>
+              <a:t>Mortar</a:t>
+            </a:r>
+            <a:r>
+              <a:rPr lang="fr-CA" sz="1600" dirty="0"/>
+              <a:t> </a:t>
+            </a:r>
+            <a:r>
+              <a:rPr lang="fr-CA" sz="1600" dirty="0" err="1"/>
+              <a:t>only</a:t>
+            </a:r>
+            <a:r>
+              <a:rPr lang="fr-CA" sz="1600" dirty="0"/>
+              <a:t> </a:t>
+            </a:r>
+            <a:r>
+              <a:rPr lang="fr-CA" sz="1600" dirty="0" err="1"/>
+              <a:t>collides</a:t>
+            </a:r>
+            <a:r>
+              <a:rPr lang="fr-CA" sz="1600" dirty="0"/>
+              <a:t> </a:t>
+            </a:r>
+            <a:r>
+              <a:rPr lang="fr-CA" sz="1600" dirty="0" err="1"/>
+              <a:t>with</a:t>
+            </a:r>
+            <a:r>
+              <a:rPr lang="fr-CA" sz="1600" dirty="0"/>
+              <a:t> obstacles </a:t>
+            </a:r>
+            <a:r>
+              <a:rPr lang="fr-CA" sz="1600" dirty="0" err="1"/>
+              <a:t>at</a:t>
+            </a:r>
+            <a:r>
+              <a:rPr lang="fr-CA" sz="1600" dirty="0"/>
+              <a:t> </a:t>
+            </a:r>
+            <a:r>
+              <a:rPr lang="fr-CA" sz="1600" dirty="0" smtClean="0"/>
+              <a:t>landing</a:t>
+            </a:r>
+          </a:p>
+          <a:p>
+            <a:r>
+              <a:rPr lang="fr-CA" sz="1600" dirty="0" smtClean="0"/>
+              <a:t>Collisions </a:t>
+            </a:r>
+            <a:r>
+              <a:rPr lang="fr-CA" sz="1600" dirty="0"/>
+              <a:t>destroy </a:t>
+            </a:r>
+            <a:r>
+              <a:rPr lang="fr-CA" sz="1600" dirty="0" smtClean="0"/>
+              <a:t>obstacles</a:t>
+            </a:r>
+            <a:endParaRPr lang="fr-CA" sz="1600" dirty="0"/>
+          </a:p>
+          <a:p>
+            <a:r>
+              <a:rPr lang="fr-CA" sz="1600" dirty="0"/>
+              <a:t>Non-collisions </a:t>
+            </a:r>
+            <a:r>
+              <a:rPr lang="fr-CA" sz="1600" dirty="0" err="1"/>
+              <a:t>create</a:t>
+            </a:r>
+            <a:r>
+              <a:rPr lang="fr-CA" sz="1600" dirty="0"/>
+              <a:t> indestructible </a:t>
+            </a:r>
+            <a:r>
+              <a:rPr lang="fr-CA" sz="1600" dirty="0" smtClean="0"/>
+              <a:t>obstacles</a:t>
+            </a:r>
+          </a:p>
+          <a:p>
+            <a:pPr marL="0" indent="0">
+              <a:buNone/>
+            </a:pPr>
+            <a:r>
+              <a:rPr lang="fr-CA" sz="1600" b="1" dirty="0" err="1" smtClean="0"/>
+              <a:t>Exercise</a:t>
+            </a:r>
+            <a:endParaRPr lang="fr-CA" sz="1600" b="1" dirty="0"/>
+          </a:p>
+          <a:p>
+            <a:pPr marL="514350" indent="-514350">
+              <a:buAutoNum type="arabicPeriod"/>
+            </a:pPr>
+            <a:r>
+              <a:rPr lang="fr-CA" sz="1600" dirty="0" err="1"/>
+              <a:t>Make</a:t>
+            </a:r>
+            <a:r>
+              <a:rPr lang="fr-CA" sz="1600" dirty="0"/>
+              <a:t> Projectile class abstract</a:t>
+            </a:r>
+          </a:p>
+          <a:p>
+            <a:pPr marL="514350" indent="-514350">
+              <a:buAutoNum type="arabicPeriod"/>
+            </a:pPr>
+            <a:r>
+              <a:rPr lang="fr-CA" sz="1600" dirty="0" err="1"/>
+              <a:t>Create</a:t>
+            </a:r>
+            <a:r>
+              <a:rPr lang="fr-CA" sz="1600" dirty="0"/>
+              <a:t> Missile and </a:t>
+            </a:r>
+            <a:r>
+              <a:rPr lang="fr-CA" sz="1600" dirty="0" err="1"/>
+              <a:t>Mortar</a:t>
+            </a:r>
+            <a:r>
+              <a:rPr lang="fr-CA" sz="1600" dirty="0"/>
+              <a:t> </a:t>
+            </a:r>
+            <a:r>
+              <a:rPr lang="fr-CA" sz="1600" dirty="0" err="1"/>
+              <a:t>subclasses</a:t>
+            </a:r>
+            <a:r>
+              <a:rPr lang="fr-CA" sz="1600" dirty="0"/>
+              <a:t> </a:t>
+            </a:r>
+            <a:r>
+              <a:rPr lang="fr-CA" sz="1600" dirty="0" err="1"/>
+              <a:t>that</a:t>
+            </a:r>
+            <a:r>
+              <a:rPr lang="fr-CA" sz="1600" dirty="0"/>
+              <a:t> </a:t>
+            </a:r>
+            <a:r>
+              <a:rPr lang="fr-CA" sz="1600" dirty="0" err="1"/>
+              <a:t>inherit</a:t>
+            </a:r>
+            <a:r>
+              <a:rPr lang="fr-CA" sz="1600" dirty="0"/>
+              <a:t> Projectile</a:t>
+            </a:r>
+          </a:p>
+          <a:p>
+            <a:pPr marL="514350" indent="-514350">
+              <a:buAutoNum type="arabicPeriod"/>
+            </a:pPr>
+            <a:r>
+              <a:rPr lang="fr-CA" sz="1600" dirty="0" err="1"/>
+              <a:t>Extract</a:t>
+            </a:r>
+            <a:r>
+              <a:rPr lang="fr-CA" sz="1600" dirty="0"/>
+              <a:t> </a:t>
+            </a:r>
+            <a:r>
+              <a:rPr lang="fr-CA" sz="1600" dirty="0" err="1"/>
+              <a:t>functionality</a:t>
+            </a:r>
+            <a:r>
+              <a:rPr lang="fr-CA" sz="1600" dirty="0"/>
+              <a:t> out to classes </a:t>
+            </a:r>
+            <a:r>
+              <a:rPr lang="fr-CA" sz="1600" dirty="0" err="1"/>
+              <a:t>based</a:t>
+            </a:r>
+            <a:r>
+              <a:rPr lang="fr-CA" sz="1600" dirty="0"/>
+              <a:t> on </a:t>
+            </a:r>
+            <a:r>
+              <a:rPr lang="fr-CA" sz="1600" dirty="0" err="1"/>
+              <a:t>IsMortar</a:t>
+            </a:r>
+            <a:endParaRPr lang="fr-CA" sz="1600" dirty="0"/>
+          </a:p>
+          <a:p>
+            <a:pPr marL="971550" lvl="1" indent="-514350">
+              <a:buFont typeface="+mj-lt"/>
+              <a:buAutoNum type="alphaLcParenR"/>
+            </a:pPr>
+            <a:r>
+              <a:rPr lang="fr-CA" sz="1400" dirty="0" err="1"/>
+              <a:t>Hint</a:t>
+            </a:r>
+            <a:r>
+              <a:rPr lang="fr-CA" sz="1400" dirty="0"/>
+              <a:t> – Projectile </a:t>
+            </a:r>
+            <a:r>
+              <a:rPr lang="fr-CA" sz="1400" dirty="0" err="1"/>
+              <a:t>should</a:t>
+            </a:r>
+            <a:r>
+              <a:rPr lang="fr-CA" sz="1400" dirty="0"/>
+              <a:t> not have </a:t>
+            </a:r>
+            <a:r>
+              <a:rPr lang="fr-CA" sz="1400" dirty="0" err="1" smtClean="0"/>
+              <a:t>IsMortar</a:t>
+            </a:r>
+            <a:endParaRPr lang="fr-CA" sz="1400" dirty="0" smtClean="0"/>
+          </a:p>
+          <a:p>
+            <a:pPr marL="971550" lvl="1" indent="-514350">
+              <a:buFont typeface="+mj-lt"/>
+              <a:buAutoNum type="alphaLcParenR"/>
+            </a:pPr>
+            <a:r>
+              <a:rPr lang="fr-CA" sz="1400" dirty="0" err="1"/>
+              <a:t>Booleans</a:t>
+            </a:r>
+            <a:r>
+              <a:rPr lang="fr-CA" sz="1400" dirty="0"/>
+              <a:t> </a:t>
+            </a:r>
+            <a:r>
+              <a:rPr lang="fr-CA" sz="1400" dirty="0" err="1"/>
+              <a:t>determining</a:t>
+            </a:r>
+            <a:r>
+              <a:rPr lang="fr-CA" sz="1400" dirty="0"/>
+              <a:t> </a:t>
+            </a:r>
+            <a:r>
+              <a:rPr lang="fr-CA" sz="1400" dirty="0" err="1"/>
+              <a:t>functionality</a:t>
+            </a:r>
+            <a:r>
+              <a:rPr lang="fr-CA" sz="1400" dirty="0"/>
+              <a:t> are code </a:t>
+            </a:r>
+            <a:r>
+              <a:rPr lang="fr-CA" sz="1400" dirty="0" err="1"/>
+              <a:t>smells</a:t>
+            </a:r>
+            <a:r>
+              <a:rPr lang="fr-CA" sz="1400" dirty="0"/>
+              <a:t> </a:t>
+            </a:r>
+          </a:p>
+          <a:p>
+            <a:pPr marL="971550" lvl="1" indent="-514350">
+              <a:buFont typeface="+mj-lt"/>
+              <a:buAutoNum type="alphaLcParenR"/>
+            </a:pPr>
+            <a:r>
+              <a:rPr lang="fr-CA" sz="1400" dirty="0"/>
+              <a:t>If a new projectile </a:t>
+            </a:r>
+            <a:r>
+              <a:rPr lang="fr-CA" sz="1400" dirty="0" err="1"/>
+              <a:t>is</a:t>
+            </a:r>
+            <a:r>
+              <a:rPr lang="fr-CA" sz="1400" dirty="0"/>
+              <a:t> </a:t>
+            </a:r>
+            <a:r>
+              <a:rPr lang="fr-CA" sz="1400" dirty="0" err="1"/>
+              <a:t>added</a:t>
+            </a:r>
+            <a:r>
+              <a:rPr lang="fr-CA" sz="1400" dirty="0"/>
+              <a:t>, </a:t>
+            </a:r>
+            <a:r>
+              <a:rPr lang="fr-CA" sz="1400" dirty="0" err="1"/>
+              <a:t>then</a:t>
+            </a:r>
+            <a:r>
+              <a:rPr lang="fr-CA" sz="1400" dirty="0"/>
+              <a:t> the </a:t>
+            </a:r>
+            <a:r>
+              <a:rPr lang="fr-CA" sz="1400" dirty="0" err="1"/>
+              <a:t>FireProjectile</a:t>
+            </a:r>
+            <a:r>
+              <a:rPr lang="fr-CA" sz="1400" dirty="0"/>
+              <a:t> has to </a:t>
+            </a:r>
+            <a:r>
+              <a:rPr lang="fr-CA" sz="1400" dirty="0" err="1"/>
+              <a:t>be</a:t>
+            </a:r>
+            <a:r>
+              <a:rPr lang="fr-CA" sz="1400" dirty="0"/>
+              <a:t> </a:t>
+            </a:r>
+            <a:r>
+              <a:rPr lang="fr-CA" sz="1400" dirty="0" err="1"/>
+              <a:t>changed</a:t>
+            </a:r>
+            <a:r>
+              <a:rPr lang="fr-CA" sz="1400" dirty="0"/>
+              <a:t> in Rover class</a:t>
+            </a:r>
+          </a:p>
+          <a:p>
+            <a:pPr marL="971550" lvl="1" indent="-514350">
+              <a:buFont typeface="+mj-lt"/>
+              <a:buAutoNum type="alphaLcParenR"/>
+            </a:pPr>
+            <a:endParaRPr lang="fr-CA" sz="1400" i="1" dirty="0" smtClean="0"/>
+          </a:p>
+          <a:p>
+            <a:endParaRPr lang="fr-CA" sz="2000" i="1" dirty="0"/>
+          </a:p>
+          <a:p>
+            <a:pPr marL="0" indent="0">
+              <a:buNone/>
+            </a:pPr>
+            <a:endParaRPr lang="fr-CA" sz="2000" dirty="0"/>
+          </a:p>
+          <a:p>
+            <a:endParaRPr lang="fr-CA" sz="2000" dirty="0"/>
           </a:p>
         </p:txBody>
       </p:sp>
@@ -5805,8 +6283,8 @@
         </p:nvSpPr>
         <p:spPr>
           <a:xfrm>
-            <a:off x="3565072" y="1690689"/>
-            <a:ext cx="3586843" cy="1738312"/>
+            <a:off x="3565072" y="1690688"/>
+            <a:ext cx="3586843" cy="2153947"/>
           </a:xfrm>
           <a:prstGeom prst="roundRect">
             <a:avLst/>
@@ -5830,68 +6308,120 @@
         </p:style>
         <p:txBody>
           <a:bodyPr rtlCol="0" anchor="ctr">
-            <a:normAutofit fontScale="92500" lnSpcReduction="10000"/>
+            <a:noAutofit/>
           </a:bodyPr>
           <a:lstStyle/>
           <a:p>
             <a:pPr marL="0" indent="0" algn="ctr">
+              <a:lnSpc>
+                <a:spcPct val="100000"/>
+              </a:lnSpc>
+              <a:spcBef>
+                <a:spcPts val="0"/>
+              </a:spcBef>
               <a:buNone/>
             </a:pPr>
             <a:r>
-              <a:rPr lang="en-US" sz="1400" dirty="0" smtClean="0"/>
+              <a:rPr lang="en-US" sz="1600" dirty="0" smtClean="0"/>
+              <a:t>&lt;abstract&gt;</a:t>
+            </a:r>
+          </a:p>
+          <a:p>
+            <a:pPr marL="0" indent="0" algn="ctr">
+              <a:lnSpc>
+                <a:spcPct val="100000"/>
+              </a:lnSpc>
+              <a:spcBef>
+                <a:spcPts val="0"/>
+              </a:spcBef>
+              <a:buNone/>
+            </a:pPr>
+            <a:r>
+              <a:rPr lang="en-US" sz="1600" dirty="0" smtClean="0"/>
               <a:t>Projectile</a:t>
             </a:r>
+            <a:endParaRPr lang="en-US" sz="1600" dirty="0" smtClean="0"/>
           </a:p>
           <a:p>
             <a:pPr marL="285750" indent="-285750">
+              <a:lnSpc>
+                <a:spcPct val="100000"/>
+              </a:lnSpc>
+              <a:spcBef>
+                <a:spcPts val="0"/>
+              </a:spcBef>
               <a:buFont typeface="Arial" panose="020B0604020202020204" pitchFamily="34" charset="0"/>
               <a:buChar char="•"/>
             </a:pPr>
             <a:r>
-              <a:rPr lang="en-US" sz="1200" dirty="0" err="1" smtClean="0"/>
+              <a:rPr lang="en-US" sz="1600" dirty="0" err="1" smtClean="0"/>
               <a:t>MaxRange</a:t>
             </a:r>
-            <a:endParaRPr lang="en-US" sz="1200" dirty="0" smtClean="0"/>
+            <a:endParaRPr lang="en-US" sz="1600" dirty="0" smtClean="0"/>
           </a:p>
           <a:p>
             <a:pPr marL="285750" indent="-285750">
+              <a:lnSpc>
+                <a:spcPct val="100000"/>
+              </a:lnSpc>
+              <a:spcBef>
+                <a:spcPts val="0"/>
+              </a:spcBef>
               <a:buFont typeface="Arial" panose="020B0604020202020204" pitchFamily="34" charset="0"/>
               <a:buChar char="•"/>
             </a:pPr>
             <a:r>
-              <a:rPr lang="en-US" sz="1200" dirty="0" smtClean="0"/>
+              <a:rPr lang="en-US" sz="1600" dirty="0" smtClean="0"/>
               <a:t>Mars</a:t>
             </a:r>
           </a:p>
           <a:p>
             <a:pPr marL="285750" indent="-285750">
+              <a:lnSpc>
+                <a:spcPct val="100000"/>
+              </a:lnSpc>
+              <a:spcBef>
+                <a:spcPts val="0"/>
+              </a:spcBef>
               <a:buFont typeface="Arial" panose="020B0604020202020204" pitchFamily="34" charset="0"/>
               <a:buChar char="•"/>
             </a:pPr>
             <a:r>
-              <a:rPr lang="en-US" sz="1200" dirty="0" err="1" smtClean="0"/>
+              <a:rPr lang="en-US" sz="1600" dirty="0" err="1" smtClean="0"/>
               <a:t>PositionalAdjustments</a:t>
             </a:r>
-            <a:endParaRPr lang="en-US" sz="1200" dirty="0" smtClean="0"/>
+            <a:endParaRPr lang="en-US" sz="1600" dirty="0" smtClean="0"/>
           </a:p>
           <a:p>
             <a:pPr marL="285750" indent="-285750">
+              <a:lnSpc>
+                <a:spcPct val="100000"/>
+              </a:lnSpc>
+              <a:spcBef>
+                <a:spcPts val="0"/>
+              </a:spcBef>
               <a:buFont typeface="Wingdings" panose="05000000000000000000" pitchFamily="2" charset="2"/>
               <a:buChar char="v"/>
             </a:pPr>
             <a:r>
-              <a:rPr lang="en-US" sz="1200" dirty="0" err="1" smtClean="0"/>
+              <a:rPr lang="en-US" sz="1600" dirty="0" err="1" smtClean="0"/>
               <a:t>IsCollisionDetected</a:t>
             </a:r>
-            <a:endParaRPr lang="en-US" sz="1200" dirty="0" smtClean="0"/>
+            <a:endParaRPr lang="en-US" sz="1600" dirty="0" smtClean="0"/>
           </a:p>
           <a:p>
             <a:pPr marL="285750" indent="-285750">
+              <a:lnSpc>
+                <a:spcPct val="100000"/>
+              </a:lnSpc>
+              <a:spcBef>
+                <a:spcPts val="0"/>
+              </a:spcBef>
               <a:buFont typeface="Wingdings" panose="05000000000000000000" pitchFamily="2" charset="2"/>
               <a:buChar char="v"/>
             </a:pPr>
             <a:r>
-              <a:rPr lang="en-US" sz="1200" dirty="0" smtClean="0"/>
+              <a:rPr lang="en-US" sz="1600" dirty="0" smtClean="0"/>
               <a:t>Launch</a:t>
             </a:r>
           </a:p>
@@ -5944,10 +6474,10 @@
               <a:buChar char="•"/>
             </a:pPr>
             <a:r>
-              <a:rPr lang="en-US" sz="1200" dirty="0" err="1" smtClean="0"/>
+              <a:rPr lang="en-US" sz="1400" dirty="0" err="1" smtClean="0"/>
               <a:t>MaxRange</a:t>
             </a:r>
-            <a:endParaRPr lang="en-US" sz="1200" dirty="0" smtClean="0"/>
+            <a:endParaRPr lang="en-US" sz="1400" dirty="0" smtClean="0"/>
           </a:p>
           <a:p>
             <a:pPr marL="285750" indent="-285750">
@@ -5955,10 +6485,10 @@
               <a:buChar char="v"/>
             </a:pPr>
             <a:r>
-              <a:rPr lang="en-US" sz="1200" dirty="0" err="1" smtClean="0"/>
+              <a:rPr lang="en-US" sz="1400" dirty="0" err="1" smtClean="0"/>
               <a:t>IsCollisionDetected</a:t>
             </a:r>
-            <a:endParaRPr lang="en-US" sz="1200" dirty="0" smtClean="0"/>
+            <a:endParaRPr lang="en-US" sz="1400" dirty="0" smtClean="0"/>
           </a:p>
         </p:txBody>
       </p:sp>
@@ -6009,10 +6539,10 @@
               <a:buChar char="•"/>
             </a:pPr>
             <a:r>
-              <a:rPr lang="en-US" sz="1200" dirty="0" err="1" smtClean="0"/>
+              <a:rPr lang="en-US" sz="1400" dirty="0" err="1" smtClean="0"/>
               <a:t>MaxRange</a:t>
             </a:r>
-            <a:endParaRPr lang="en-US" sz="1200" dirty="0" smtClean="0"/>
+            <a:endParaRPr lang="en-US" sz="1400" dirty="0" smtClean="0"/>
           </a:p>
           <a:p>
             <a:pPr marL="285750" indent="-285750">
@@ -6020,10 +6550,10 @@
               <a:buChar char="v"/>
             </a:pPr>
             <a:r>
-              <a:rPr lang="en-US" sz="1200" dirty="0" err="1" smtClean="0"/>
+              <a:rPr lang="en-US" sz="1400" dirty="0" err="1" smtClean="0"/>
               <a:t>IsCollisionDetected</a:t>
             </a:r>
-            <a:endParaRPr lang="en-US" sz="1200" dirty="0"/>
+            <a:endParaRPr lang="en-US" sz="1400" dirty="0"/>
           </a:p>
         </p:txBody>
       </p:sp>
@@ -6118,15 +6648,9 @@
   <p:cSld>
     <p:bg>
       <p:bgPr>
-        <a:blipFill dpi="0" rotWithShape="1">
-          <a:blip r:embed="rId3">
-            <a:lum/>
-          </a:blip>
-          <a:srcRect/>
-          <a:stretch>
-            <a:fillRect l="-2000" t="-17000" r="-2000" b="-17000"/>
-          </a:stretch>
-        </a:blipFill>
+        <a:solidFill>
+          <a:schemeClr val="bg1"/>
+        </a:solidFill>
         <a:effectLst/>
       </p:bgPr>
     </p:bg>
@@ -6166,11 +6690,7 @@
           <a:p>
             <a:r>
               <a:rPr lang="en-US" dirty="0" smtClean="0"/>
-              <a:t>Possib</a:t>
-            </a:r>
-            <a:r>
-              <a:rPr lang="en-US" dirty="0" smtClean="0"/>
-              <a:t>le Solution</a:t>
+              <a:t>Possible Solution</a:t>
             </a:r>
             <a:endParaRPr lang="en-US" dirty="0"/>
           </a:p>
@@ -6206,7 +6726,7 @@
           <p:nvPr/>
         </p:nvPicPr>
         <p:blipFill>
-          <a:blip r:embed="rId4">
+          <a:blip r:embed="rId3">
             <a:extLst>
               <a:ext uri="{28A0092B-C50C-407E-A947-70E740481C1C}">
                 <a14:useLocalDpi xmlns:a14="http://schemas.microsoft.com/office/drawing/2010/main" val="0"/>
@@ -6219,8 +6739,8 @@
         </p:blipFill>
         <p:spPr>
           <a:xfrm>
-            <a:off x="964498" y="1825625"/>
-            <a:ext cx="8815203" cy="2819400"/>
+            <a:off x="623455" y="1991877"/>
+            <a:ext cx="12063153" cy="3858204"/>
           </a:xfrm>
           <a:prstGeom prst="rect">
             <a:avLst/>

--- a/Presentations/OCP Redux.pptx
+++ b/Presentations/OCP Redux.pptx
@@ -207,7 +207,7 @@
           <a:p>
             <a:fld id="{D7D9A16F-D302-4F6C-88DE-469A6962F06E}" type="datetimeFigureOut">
               <a:rPr lang="en-US" smtClean="0"/>
-              <a:t>12/31/2014</a:t>
+              <a:t>1/2/2015</a:t>
             </a:fld>
             <a:endParaRPr lang="en-US"/>
           </a:p>
@@ -1039,7 +1039,7 @@
           <a:p>
             <a:fld id="{ABF9AFE4-9910-4F36-8626-ABF2E797B655}" type="datetimeFigureOut">
               <a:rPr lang="en-US" smtClean="0"/>
-              <a:t>12/31/2014</a:t>
+              <a:t>1/2/2015</a:t>
             </a:fld>
             <a:endParaRPr lang="en-US"/>
           </a:p>
@@ -1209,7 +1209,7 @@
           <a:p>
             <a:fld id="{ABF9AFE4-9910-4F36-8626-ABF2E797B655}" type="datetimeFigureOut">
               <a:rPr lang="en-US" smtClean="0"/>
-              <a:t>12/31/2014</a:t>
+              <a:t>1/2/2015</a:t>
             </a:fld>
             <a:endParaRPr lang="en-US"/>
           </a:p>
@@ -1389,7 +1389,7 @@
           <a:p>
             <a:fld id="{ABF9AFE4-9910-4F36-8626-ABF2E797B655}" type="datetimeFigureOut">
               <a:rPr lang="en-US" smtClean="0"/>
-              <a:t>12/31/2014</a:t>
+              <a:t>1/2/2015</a:t>
             </a:fld>
             <a:endParaRPr lang="en-US"/>
           </a:p>
@@ -1559,7 +1559,7 @@
           <a:p>
             <a:fld id="{ABF9AFE4-9910-4F36-8626-ABF2E797B655}" type="datetimeFigureOut">
               <a:rPr lang="en-US" smtClean="0"/>
-              <a:t>12/31/2014</a:t>
+              <a:t>1/2/2015</a:t>
             </a:fld>
             <a:endParaRPr lang="en-US"/>
           </a:p>
@@ -1805,7 +1805,7 @@
           <a:p>
             <a:fld id="{ABF9AFE4-9910-4F36-8626-ABF2E797B655}" type="datetimeFigureOut">
               <a:rPr lang="en-US" smtClean="0"/>
-              <a:t>12/31/2014</a:t>
+              <a:t>1/2/2015</a:t>
             </a:fld>
             <a:endParaRPr lang="en-US"/>
           </a:p>
@@ -2037,7 +2037,7 @@
           <a:p>
             <a:fld id="{ABF9AFE4-9910-4F36-8626-ABF2E797B655}" type="datetimeFigureOut">
               <a:rPr lang="en-US" smtClean="0"/>
-              <a:t>12/31/2014</a:t>
+              <a:t>1/2/2015</a:t>
             </a:fld>
             <a:endParaRPr lang="en-US"/>
           </a:p>
@@ -2404,7 +2404,7 @@
           <a:p>
             <a:fld id="{ABF9AFE4-9910-4F36-8626-ABF2E797B655}" type="datetimeFigureOut">
               <a:rPr lang="en-US" smtClean="0"/>
-              <a:t>12/31/2014</a:t>
+              <a:t>1/2/2015</a:t>
             </a:fld>
             <a:endParaRPr lang="en-US"/>
           </a:p>
@@ -2522,7 +2522,7 @@
           <a:p>
             <a:fld id="{ABF9AFE4-9910-4F36-8626-ABF2E797B655}" type="datetimeFigureOut">
               <a:rPr lang="en-US" smtClean="0"/>
-              <a:t>12/31/2014</a:t>
+              <a:t>1/2/2015</a:t>
             </a:fld>
             <a:endParaRPr lang="en-US"/>
           </a:p>
@@ -2617,7 +2617,7 @@
           <a:p>
             <a:fld id="{ABF9AFE4-9910-4F36-8626-ABF2E797B655}" type="datetimeFigureOut">
               <a:rPr lang="en-US" smtClean="0"/>
-              <a:t>12/31/2014</a:t>
+              <a:t>1/2/2015</a:t>
             </a:fld>
             <a:endParaRPr lang="en-US"/>
           </a:p>
@@ -2894,7 +2894,7 @@
           <a:p>
             <a:fld id="{ABF9AFE4-9910-4F36-8626-ABF2E797B655}" type="datetimeFigureOut">
               <a:rPr lang="en-US" smtClean="0"/>
-              <a:t>12/31/2014</a:t>
+              <a:t>1/2/2015</a:t>
             </a:fld>
             <a:endParaRPr lang="en-US"/>
           </a:p>
@@ -3147,7 +3147,7 @@
           <a:p>
             <a:fld id="{ABF9AFE4-9910-4F36-8626-ABF2E797B655}" type="datetimeFigureOut">
               <a:rPr lang="en-US" smtClean="0"/>
-              <a:t>12/31/2014</a:t>
+              <a:t>1/2/2015</a:t>
             </a:fld>
             <a:endParaRPr lang="en-US"/>
           </a:p>
@@ -3360,7 +3360,7 @@
           <a:p>
             <a:fld id="{ABF9AFE4-9910-4F36-8626-ABF2E797B655}" type="datetimeFigureOut">
               <a:rPr lang="en-US" smtClean="0"/>
-              <a:t>12/31/2014</a:t>
+              <a:t>1/2/2015</a:t>
             </a:fld>
             <a:endParaRPr lang="en-US"/>
           </a:p>
@@ -4092,26 +4092,25 @@
             </a:r>
           </a:p>
           <a:p>
-            <a:pPr lvl="1">
-              <a:buFont typeface="Courier New" panose="02070309020205020404" pitchFamily="49" charset="0"/>
-              <a:buChar char="o"/>
+            <a:pPr marL="457200" lvl="1" indent="0">
+              <a:buNone/>
               <a:defRPr/>
             </a:pPr>
             <a:r>
+              <a:rPr lang="fr-CA" dirty="0" smtClean="0"/>
+              <a:t> </a:t>
+            </a:r>
+            <a:r>
               <a:rPr lang="fr-CA" dirty="0" err="1" smtClean="0"/>
               <a:t>Hint</a:t>
             </a:r>
             <a:r>
               <a:rPr lang="fr-CA" dirty="0" smtClean="0"/>
-              <a:t> – Look </a:t>
-            </a:r>
-            <a:r>
-              <a:rPr lang="fr-CA" dirty="0" err="1" smtClean="0"/>
-              <a:t>at</a:t>
+              <a:t> </a:t>
             </a:r>
             <a:r>
               <a:rPr lang="fr-CA" dirty="0" smtClean="0"/>
-              <a:t> </a:t>
+              <a:t>– Look at </a:t>
             </a:r>
             <a:r>
               <a:rPr lang="fr-CA" dirty="0" err="1" smtClean="0"/>
@@ -4278,7 +4277,7 @@
         </p:nvSpPr>
         <p:spPr>
           <a:xfrm>
-            <a:off x="3674917" y="1690688"/>
+            <a:off x="3851564" y="1690688"/>
             <a:ext cx="3831772" cy="1619704"/>
           </a:xfrm>
           <a:prstGeom prst="roundRect">
@@ -4324,7 +4323,7 @@
               <a:buChar char="•"/>
             </a:pPr>
             <a:r>
-              <a:rPr lang="en-US" dirty="0" smtClean="0"/>
+              <a:rPr lang="en-US" sz="2400" dirty="0" smtClean="0"/>
               <a:t>Location</a:t>
             </a:r>
           </a:p>
@@ -4337,10 +4336,10 @@
               <a:buChar char="•"/>
             </a:pPr>
             <a:r>
-              <a:rPr lang="en-US" dirty="0" err="1" smtClean="0"/>
+              <a:rPr lang="en-US" sz="2400" dirty="0" err="1" smtClean="0"/>
               <a:t>IsDestructable</a:t>
             </a:r>
-            <a:endParaRPr lang="en-US" dirty="0"/>
+            <a:endParaRPr lang="en-US" sz="2400" dirty="0"/>
           </a:p>
         </p:txBody>
       </p:sp>
@@ -4391,10 +4390,10 @@
               <a:buChar char="•"/>
             </a:pPr>
             <a:r>
-              <a:rPr lang="en-US" sz="2800" dirty="0" err="1" smtClean="0"/>
+              <a:rPr lang="en-US" sz="2400" dirty="0" err="1" smtClean="0"/>
               <a:t>IsDestructable</a:t>
             </a:r>
-            <a:endParaRPr lang="en-US" sz="2800" dirty="0"/>
+            <a:endParaRPr lang="en-US" sz="2400" dirty="0"/>
           </a:p>
         </p:txBody>
       </p:sp>
@@ -6340,7 +6339,6 @@
               <a:rPr lang="en-US" sz="1600" dirty="0" smtClean="0"/>
               <a:t>Projectile</a:t>
             </a:r>
-            <a:endParaRPr lang="en-US" sz="1600" dirty="0" smtClean="0"/>
           </a:p>
           <a:p>
             <a:pPr marL="285750" indent="-285750">
